--- a/livrables/CartoWeb_Openrefine.pptx
+++ b/livrables/CartoWeb_Openrefine.pptx
@@ -131,6 +131,1662 @@
 </p:presentation>
 </file>
 
+<file path=ppt/charts/chart1.xml><?xml version="1.0" encoding="utf-8"?>
+<c:chartSpace xmlns:c="http://schemas.openxmlformats.org/drawingml/2006/chart" xmlns:a="http://schemas.openxmlformats.org/drawingml/2006/main" xmlns:r="http://schemas.openxmlformats.org/officeDocument/2006/relationships" xmlns:c16r2="http://schemas.microsoft.com/office/drawing/2015/06/chart">
+  <c:date1904 val="0"/>
+  <c:lang val="en-US"/>
+  <c:roundedCorners val="0"/>
+  <mc:AlternateContent xmlns:mc="http://schemas.openxmlformats.org/markup-compatibility/2006">
+    <mc:Choice xmlns:c14="http://schemas.microsoft.com/office/drawing/2007/8/2/chart" Requires="c14">
+      <c14:style val="102"/>
+    </mc:Choice>
+    <mc:Fallback>
+      <c:style val="2"/>
+    </mc:Fallback>
+  </mc:AlternateContent>
+  <c:chart>
+    <c:title>
+      <c:tx>
+        <c:rich>
+          <a:bodyPr rot="0" spcFirstLastPara="1" vertOverflow="ellipsis" vert="horz" wrap="square" anchor="ctr" anchorCtr="1"/>
+          <a:lstStyle/>
+          <a:p>
+            <a:pPr>
+              <a:defRPr sz="1400" b="0" i="0" u="none" strike="noStrike" kern="1200" spc="0" baseline="0">
+                <a:solidFill>
+                  <a:schemeClr val="tx1">
+                    <a:lumMod val="65000"/>
+                    <a:lumOff val="35000"/>
+                  </a:schemeClr>
+                </a:solidFill>
+                <a:latin typeface="+mn-lt"/>
+                <a:ea typeface="+mn-ea"/>
+                <a:cs typeface="+mn-cs"/>
+              </a:defRPr>
+            </a:pPr>
+            <a:r>
+              <a:rPr lang="fr-FR"/>
+              <a:t>Nombre d'articles par langue</a:t>
+            </a:r>
+          </a:p>
+        </c:rich>
+      </c:tx>
+      <c:overlay val="0"/>
+      <c:spPr>
+        <a:noFill/>
+        <a:ln>
+          <a:noFill/>
+        </a:ln>
+        <a:effectLst/>
+      </c:spPr>
+      <c:txPr>
+        <a:bodyPr rot="0" spcFirstLastPara="1" vertOverflow="ellipsis" vert="horz" wrap="square" anchor="ctr" anchorCtr="1"/>
+        <a:lstStyle/>
+        <a:p>
+          <a:pPr>
+            <a:defRPr sz="1400" b="0" i="0" u="none" strike="noStrike" kern="1200" spc="0" baseline="0">
+              <a:solidFill>
+                <a:schemeClr val="tx1">
+                  <a:lumMod val="65000"/>
+                  <a:lumOff val="35000"/>
+                </a:schemeClr>
+              </a:solidFill>
+              <a:latin typeface="+mn-lt"/>
+              <a:ea typeface="+mn-ea"/>
+              <a:cs typeface="+mn-cs"/>
+            </a:defRPr>
+          </a:pPr>
+          <a:endParaRPr lang="fr-FR"/>
+        </a:p>
+      </c:txPr>
+    </c:title>
+    <c:autoTitleDeleted val="0"/>
+    <c:plotArea>
+      <c:layout/>
+      <c:barChart>
+        <c:barDir val="col"/>
+        <c:grouping val="clustered"/>
+        <c:varyColors val="0"/>
+        <c:ser>
+          <c:idx val="0"/>
+          <c:order val="0"/>
+          <c:spPr>
+            <a:solidFill>
+              <a:schemeClr val="accent1"/>
+            </a:solidFill>
+            <a:ln>
+              <a:noFill/>
+            </a:ln>
+            <a:effectLst/>
+          </c:spPr>
+          <c:invertIfNegative val="0"/>
+          <c:cat>
+            <c:strRef>
+              <c:f>wikipages_excel!$R$4:$T$4</c:f>
+              <c:strCache>
+                <c:ptCount val="3"/>
+                <c:pt idx="0">
+                  <c:v>EN</c:v>
+                </c:pt>
+                <c:pt idx="1">
+                  <c:v>FR</c:v>
+                </c:pt>
+                <c:pt idx="2">
+                  <c:v>HT</c:v>
+                </c:pt>
+              </c:strCache>
+            </c:strRef>
+          </c:cat>
+          <c:val>
+            <c:numRef>
+              <c:f>wikipages_excel!$R$5:$T$5</c:f>
+              <c:numCache>
+                <c:formatCode>General</c:formatCode>
+                <c:ptCount val="3"/>
+                <c:pt idx="0">
+                  <c:v>83</c:v>
+                </c:pt>
+                <c:pt idx="1">
+                  <c:v>97</c:v>
+                </c:pt>
+                <c:pt idx="2">
+                  <c:v>147</c:v>
+                </c:pt>
+              </c:numCache>
+            </c:numRef>
+          </c:val>
+          <c:extLst>
+            <c:ext xmlns:c16="http://schemas.microsoft.com/office/drawing/2014/chart" uri="{C3380CC4-5D6E-409C-BE32-E72D297353CC}">
+              <c16:uniqueId val="{00000000-F85E-4F4F-A373-3D5EDC870BE6}"/>
+            </c:ext>
+          </c:extLst>
+        </c:ser>
+        <c:dLbls>
+          <c:showLegendKey val="0"/>
+          <c:showVal val="0"/>
+          <c:showCatName val="0"/>
+          <c:showSerName val="0"/>
+          <c:showPercent val="0"/>
+          <c:showBubbleSize val="0"/>
+        </c:dLbls>
+        <c:gapWidth val="219"/>
+        <c:overlap val="-27"/>
+        <c:axId val="783889440"/>
+        <c:axId val="777960704"/>
+      </c:barChart>
+      <c:catAx>
+        <c:axId val="783889440"/>
+        <c:scaling>
+          <c:orientation val="minMax"/>
+        </c:scaling>
+        <c:delete val="0"/>
+        <c:axPos val="b"/>
+        <c:numFmt formatCode="General" sourceLinked="1"/>
+        <c:majorTickMark val="none"/>
+        <c:minorTickMark val="none"/>
+        <c:tickLblPos val="nextTo"/>
+        <c:spPr>
+          <a:noFill/>
+          <a:ln w="9525" cap="flat" cmpd="sng" algn="ctr">
+            <a:solidFill>
+              <a:schemeClr val="tx1">
+                <a:lumMod val="15000"/>
+                <a:lumOff val="85000"/>
+              </a:schemeClr>
+            </a:solidFill>
+            <a:round/>
+          </a:ln>
+          <a:effectLst/>
+        </c:spPr>
+        <c:txPr>
+          <a:bodyPr rot="-60000000" spcFirstLastPara="1" vertOverflow="ellipsis" vert="horz" wrap="square" anchor="ctr" anchorCtr="1"/>
+          <a:lstStyle/>
+          <a:p>
+            <a:pPr>
+              <a:defRPr sz="900" b="0" i="0" u="none" strike="noStrike" kern="1200" baseline="0">
+                <a:solidFill>
+                  <a:schemeClr val="tx1">
+                    <a:lumMod val="65000"/>
+                    <a:lumOff val="35000"/>
+                  </a:schemeClr>
+                </a:solidFill>
+                <a:latin typeface="+mn-lt"/>
+                <a:ea typeface="+mn-ea"/>
+                <a:cs typeface="+mn-cs"/>
+              </a:defRPr>
+            </a:pPr>
+            <a:endParaRPr lang="fr-FR"/>
+          </a:p>
+        </c:txPr>
+        <c:crossAx val="777960704"/>
+        <c:crosses val="autoZero"/>
+        <c:auto val="1"/>
+        <c:lblAlgn val="ctr"/>
+        <c:lblOffset val="100"/>
+        <c:noMultiLvlLbl val="0"/>
+      </c:catAx>
+      <c:valAx>
+        <c:axId val="777960704"/>
+        <c:scaling>
+          <c:orientation val="minMax"/>
+        </c:scaling>
+        <c:delete val="0"/>
+        <c:axPos val="l"/>
+        <c:majorGridlines>
+          <c:spPr>
+            <a:ln w="9525" cap="flat" cmpd="sng" algn="ctr">
+              <a:solidFill>
+                <a:schemeClr val="tx1">
+                  <a:lumMod val="15000"/>
+                  <a:lumOff val="85000"/>
+                </a:schemeClr>
+              </a:solidFill>
+              <a:round/>
+            </a:ln>
+            <a:effectLst/>
+          </c:spPr>
+        </c:majorGridlines>
+        <c:numFmt formatCode="General" sourceLinked="1"/>
+        <c:majorTickMark val="none"/>
+        <c:minorTickMark val="none"/>
+        <c:tickLblPos val="nextTo"/>
+        <c:spPr>
+          <a:noFill/>
+          <a:ln>
+            <a:noFill/>
+          </a:ln>
+          <a:effectLst/>
+        </c:spPr>
+        <c:txPr>
+          <a:bodyPr rot="-60000000" spcFirstLastPara="1" vertOverflow="ellipsis" vert="horz" wrap="square" anchor="ctr" anchorCtr="1"/>
+          <a:lstStyle/>
+          <a:p>
+            <a:pPr>
+              <a:defRPr sz="900" b="0" i="0" u="none" strike="noStrike" kern="1200" baseline="0">
+                <a:solidFill>
+                  <a:schemeClr val="tx1">
+                    <a:lumMod val="65000"/>
+                    <a:lumOff val="35000"/>
+                  </a:schemeClr>
+                </a:solidFill>
+                <a:latin typeface="+mn-lt"/>
+                <a:ea typeface="+mn-ea"/>
+                <a:cs typeface="+mn-cs"/>
+              </a:defRPr>
+            </a:pPr>
+            <a:endParaRPr lang="fr-FR"/>
+          </a:p>
+        </c:txPr>
+        <c:crossAx val="783889440"/>
+        <c:crosses val="autoZero"/>
+        <c:crossBetween val="between"/>
+      </c:valAx>
+      <c:spPr>
+        <a:noFill/>
+        <a:ln>
+          <a:noFill/>
+        </a:ln>
+        <a:effectLst/>
+      </c:spPr>
+    </c:plotArea>
+    <c:plotVisOnly val="1"/>
+    <c:dispBlanksAs val="gap"/>
+    <c:extLst>
+      <c:ext xmlns:c16r3="http://schemas.microsoft.com/office/drawing/2017/03/chart" uri="{56B9EC1D-385E-4148-901F-78D8002777C0}">
+        <c16r3:dataDisplayOptions16>
+          <c16r3:dispNaAsBlank val="1"/>
+        </c16r3:dataDisplayOptions16>
+      </c:ext>
+    </c:extLst>
+    <c:showDLblsOverMax val="0"/>
+  </c:chart>
+  <c:spPr>
+    <a:noFill/>
+    <a:ln>
+      <a:noFill/>
+    </a:ln>
+    <a:effectLst/>
+  </c:spPr>
+  <c:txPr>
+    <a:bodyPr/>
+    <a:lstStyle/>
+    <a:p>
+      <a:pPr>
+        <a:defRPr/>
+      </a:pPr>
+      <a:endParaRPr lang="fr-FR"/>
+    </a:p>
+  </c:txPr>
+  <c:externalData r:id="rId3">
+    <c:autoUpdate val="0"/>
+  </c:externalData>
+</c:chartSpace>
+</file>
+
+<file path=ppt/charts/chart2.xml><?xml version="1.0" encoding="utf-8"?>
+<c:chartSpace xmlns:c="http://schemas.openxmlformats.org/drawingml/2006/chart" xmlns:a="http://schemas.openxmlformats.org/drawingml/2006/main" xmlns:r="http://schemas.openxmlformats.org/officeDocument/2006/relationships" xmlns:c16r2="http://schemas.microsoft.com/office/drawing/2015/06/chart">
+  <c:date1904 val="0"/>
+  <c:lang val="en-US"/>
+  <c:roundedCorners val="0"/>
+  <mc:AlternateContent xmlns:mc="http://schemas.openxmlformats.org/markup-compatibility/2006">
+    <mc:Choice xmlns:c14="http://schemas.microsoft.com/office/drawing/2007/8/2/chart" Requires="c14">
+      <c14:style val="102"/>
+    </mc:Choice>
+    <mc:Fallback>
+      <c:style val="2"/>
+    </mc:Fallback>
+  </mc:AlternateContent>
+  <c:chart>
+    <c:title>
+      <c:overlay val="0"/>
+      <c:spPr>
+        <a:noFill/>
+        <a:ln>
+          <a:noFill/>
+        </a:ln>
+        <a:effectLst/>
+      </c:spPr>
+      <c:txPr>
+        <a:bodyPr rot="0" spcFirstLastPara="1" vertOverflow="ellipsis" vert="horz" wrap="square" anchor="ctr" anchorCtr="1"/>
+        <a:lstStyle/>
+        <a:p>
+          <a:pPr>
+            <a:defRPr sz="1400" b="0" i="0" u="none" strike="noStrike" kern="1200" spc="0" baseline="0">
+              <a:solidFill>
+                <a:schemeClr val="tx1">
+                  <a:lumMod val="65000"/>
+                  <a:lumOff val="35000"/>
+                </a:schemeClr>
+              </a:solidFill>
+              <a:latin typeface="+mn-lt"/>
+              <a:ea typeface="+mn-ea"/>
+              <a:cs typeface="+mn-cs"/>
+            </a:defRPr>
+          </a:pPr>
+          <a:endParaRPr lang="fr-FR"/>
+        </a:p>
+      </c:txPr>
+    </c:title>
+    <c:autoTitleDeleted val="0"/>
+    <c:plotArea>
+      <c:layout/>
+      <c:barChart>
+        <c:barDir val="col"/>
+        <c:grouping val="clustered"/>
+        <c:varyColors val="0"/>
+        <c:ser>
+          <c:idx val="0"/>
+          <c:order val="0"/>
+          <c:tx>
+            <c:strRef>
+              <c:f>wikipages_excel!$O$4</c:f>
+              <c:strCache>
+                <c:ptCount val="1"/>
+                <c:pt idx="0">
+                  <c:v>Taille moyenne des articles</c:v>
+                </c:pt>
+              </c:strCache>
+            </c:strRef>
+          </c:tx>
+          <c:spPr>
+            <a:solidFill>
+              <a:schemeClr val="accent1"/>
+            </a:solidFill>
+            <a:ln>
+              <a:noFill/>
+            </a:ln>
+            <a:effectLst/>
+          </c:spPr>
+          <c:invertIfNegative val="0"/>
+          <c:cat>
+            <c:strRef>
+              <c:f>wikipages_excel!$N$5:$N$7</c:f>
+              <c:strCache>
+                <c:ptCount val="3"/>
+                <c:pt idx="0">
+                  <c:v>HT</c:v>
+                </c:pt>
+                <c:pt idx="1">
+                  <c:v>EN</c:v>
+                </c:pt>
+                <c:pt idx="2">
+                  <c:v>FR</c:v>
+                </c:pt>
+              </c:strCache>
+            </c:strRef>
+          </c:cat>
+          <c:val>
+            <c:numRef>
+              <c:f>wikipages_excel!$O$5:$O$7</c:f>
+              <c:numCache>
+                <c:formatCode>General</c:formatCode>
+                <c:ptCount val="3"/>
+                <c:pt idx="0">
+                  <c:v>2614.7800000000002</c:v>
+                </c:pt>
+                <c:pt idx="1">
+                  <c:v>4944.43</c:v>
+                </c:pt>
+                <c:pt idx="2">
+                  <c:v>8203.9699999999993</c:v>
+                </c:pt>
+              </c:numCache>
+            </c:numRef>
+          </c:val>
+          <c:extLst>
+            <c:ext xmlns:c16="http://schemas.microsoft.com/office/drawing/2014/chart" uri="{C3380CC4-5D6E-409C-BE32-E72D297353CC}">
+              <c16:uniqueId val="{00000000-49DC-4841-8975-A56239920CED}"/>
+            </c:ext>
+          </c:extLst>
+        </c:ser>
+        <c:dLbls>
+          <c:showLegendKey val="0"/>
+          <c:showVal val="0"/>
+          <c:showCatName val="0"/>
+          <c:showSerName val="0"/>
+          <c:showPercent val="0"/>
+          <c:showBubbleSize val="0"/>
+        </c:dLbls>
+        <c:gapWidth val="219"/>
+        <c:overlap val="-27"/>
+        <c:axId val="786922736"/>
+        <c:axId val="783937072"/>
+      </c:barChart>
+      <c:catAx>
+        <c:axId val="786922736"/>
+        <c:scaling>
+          <c:orientation val="minMax"/>
+        </c:scaling>
+        <c:delete val="0"/>
+        <c:axPos val="b"/>
+        <c:numFmt formatCode="General" sourceLinked="1"/>
+        <c:majorTickMark val="none"/>
+        <c:minorTickMark val="none"/>
+        <c:tickLblPos val="nextTo"/>
+        <c:spPr>
+          <a:noFill/>
+          <a:ln w="9525" cap="flat" cmpd="sng" algn="ctr">
+            <a:solidFill>
+              <a:schemeClr val="tx1">
+                <a:lumMod val="15000"/>
+                <a:lumOff val="85000"/>
+              </a:schemeClr>
+            </a:solidFill>
+            <a:round/>
+          </a:ln>
+          <a:effectLst/>
+        </c:spPr>
+        <c:txPr>
+          <a:bodyPr rot="-60000000" spcFirstLastPara="1" vertOverflow="ellipsis" vert="horz" wrap="square" anchor="ctr" anchorCtr="1"/>
+          <a:lstStyle/>
+          <a:p>
+            <a:pPr>
+              <a:defRPr sz="900" b="0" i="0" u="none" strike="noStrike" kern="1200" baseline="0">
+                <a:solidFill>
+                  <a:schemeClr val="tx1">
+                    <a:lumMod val="65000"/>
+                    <a:lumOff val="35000"/>
+                  </a:schemeClr>
+                </a:solidFill>
+                <a:latin typeface="+mn-lt"/>
+                <a:ea typeface="+mn-ea"/>
+                <a:cs typeface="+mn-cs"/>
+              </a:defRPr>
+            </a:pPr>
+            <a:endParaRPr lang="fr-FR"/>
+          </a:p>
+        </c:txPr>
+        <c:crossAx val="783937072"/>
+        <c:crosses val="autoZero"/>
+        <c:auto val="1"/>
+        <c:lblAlgn val="ctr"/>
+        <c:lblOffset val="100"/>
+        <c:noMultiLvlLbl val="0"/>
+      </c:catAx>
+      <c:valAx>
+        <c:axId val="783937072"/>
+        <c:scaling>
+          <c:orientation val="minMax"/>
+        </c:scaling>
+        <c:delete val="0"/>
+        <c:axPos val="l"/>
+        <c:majorGridlines>
+          <c:spPr>
+            <a:ln w="9525" cap="flat" cmpd="sng" algn="ctr">
+              <a:solidFill>
+                <a:schemeClr val="tx1">
+                  <a:lumMod val="15000"/>
+                  <a:lumOff val="85000"/>
+                </a:schemeClr>
+              </a:solidFill>
+              <a:round/>
+            </a:ln>
+            <a:effectLst/>
+          </c:spPr>
+        </c:majorGridlines>
+        <c:numFmt formatCode="General" sourceLinked="1"/>
+        <c:majorTickMark val="none"/>
+        <c:minorTickMark val="none"/>
+        <c:tickLblPos val="nextTo"/>
+        <c:spPr>
+          <a:noFill/>
+          <a:ln>
+            <a:noFill/>
+          </a:ln>
+          <a:effectLst/>
+        </c:spPr>
+        <c:txPr>
+          <a:bodyPr rot="-60000000" spcFirstLastPara="1" vertOverflow="ellipsis" vert="horz" wrap="square" anchor="ctr" anchorCtr="1"/>
+          <a:lstStyle/>
+          <a:p>
+            <a:pPr>
+              <a:defRPr sz="900" b="0" i="0" u="none" strike="noStrike" kern="1200" baseline="0">
+                <a:solidFill>
+                  <a:schemeClr val="tx1">
+                    <a:lumMod val="65000"/>
+                    <a:lumOff val="35000"/>
+                  </a:schemeClr>
+                </a:solidFill>
+                <a:latin typeface="+mn-lt"/>
+                <a:ea typeface="+mn-ea"/>
+                <a:cs typeface="+mn-cs"/>
+              </a:defRPr>
+            </a:pPr>
+            <a:endParaRPr lang="fr-FR"/>
+          </a:p>
+        </c:txPr>
+        <c:crossAx val="786922736"/>
+        <c:crosses val="autoZero"/>
+        <c:crossBetween val="between"/>
+      </c:valAx>
+      <c:spPr>
+        <a:noFill/>
+        <a:ln>
+          <a:noFill/>
+        </a:ln>
+        <a:effectLst/>
+      </c:spPr>
+    </c:plotArea>
+    <c:plotVisOnly val="1"/>
+    <c:dispBlanksAs val="gap"/>
+    <c:extLst>
+      <c:ext xmlns:c16r3="http://schemas.microsoft.com/office/drawing/2017/03/chart" uri="{56B9EC1D-385E-4148-901F-78D8002777C0}">
+        <c16r3:dataDisplayOptions16>
+          <c16r3:dispNaAsBlank val="1"/>
+        </c16r3:dataDisplayOptions16>
+      </c:ext>
+    </c:extLst>
+    <c:showDLblsOverMax val="0"/>
+  </c:chart>
+  <c:spPr>
+    <a:noFill/>
+    <a:ln>
+      <a:noFill/>
+    </a:ln>
+    <a:effectLst/>
+  </c:spPr>
+  <c:txPr>
+    <a:bodyPr/>
+    <a:lstStyle/>
+    <a:p>
+      <a:pPr>
+        <a:defRPr/>
+      </a:pPr>
+      <a:endParaRPr lang="fr-FR"/>
+    </a:p>
+  </c:txPr>
+  <c:externalData r:id="rId3">
+    <c:autoUpdate val="0"/>
+  </c:externalData>
+</c:chartSpace>
+</file>
+
+<file path=ppt/charts/colors1.xml><?xml version="1.0" encoding="utf-8"?>
+<cs:colorStyle xmlns:cs="http://schemas.microsoft.com/office/drawing/2012/chartStyle" xmlns:a="http://schemas.openxmlformats.org/drawingml/2006/main" meth="cycle" id="10">
+  <a:schemeClr val="accent1"/>
+  <a:schemeClr val="accent2"/>
+  <a:schemeClr val="accent3"/>
+  <a:schemeClr val="accent4"/>
+  <a:schemeClr val="accent5"/>
+  <a:schemeClr val="accent6"/>
+  <cs:variation/>
+  <cs:variation>
+    <a:lumMod val="60000"/>
+  </cs:variation>
+  <cs:variation>
+    <a:lumMod val="80000"/>
+    <a:lumOff val="20000"/>
+  </cs:variation>
+  <cs:variation>
+    <a:lumMod val="80000"/>
+  </cs:variation>
+  <cs:variation>
+    <a:lumMod val="60000"/>
+    <a:lumOff val="40000"/>
+  </cs:variation>
+  <cs:variation>
+    <a:lumMod val="50000"/>
+  </cs:variation>
+  <cs:variation>
+    <a:lumMod val="70000"/>
+    <a:lumOff val="30000"/>
+  </cs:variation>
+  <cs:variation>
+    <a:lumMod val="70000"/>
+  </cs:variation>
+  <cs:variation>
+    <a:lumMod val="50000"/>
+    <a:lumOff val="50000"/>
+  </cs:variation>
+</cs:colorStyle>
+</file>
+
+<file path=ppt/charts/colors2.xml><?xml version="1.0" encoding="utf-8"?>
+<cs:colorStyle xmlns:cs="http://schemas.microsoft.com/office/drawing/2012/chartStyle" xmlns:a="http://schemas.openxmlformats.org/drawingml/2006/main" meth="cycle" id="10">
+  <a:schemeClr val="accent1"/>
+  <a:schemeClr val="accent2"/>
+  <a:schemeClr val="accent3"/>
+  <a:schemeClr val="accent4"/>
+  <a:schemeClr val="accent5"/>
+  <a:schemeClr val="accent6"/>
+  <cs:variation/>
+  <cs:variation>
+    <a:lumMod val="60000"/>
+  </cs:variation>
+  <cs:variation>
+    <a:lumMod val="80000"/>
+    <a:lumOff val="20000"/>
+  </cs:variation>
+  <cs:variation>
+    <a:lumMod val="80000"/>
+  </cs:variation>
+  <cs:variation>
+    <a:lumMod val="60000"/>
+    <a:lumOff val="40000"/>
+  </cs:variation>
+  <cs:variation>
+    <a:lumMod val="50000"/>
+  </cs:variation>
+  <cs:variation>
+    <a:lumMod val="70000"/>
+    <a:lumOff val="30000"/>
+  </cs:variation>
+  <cs:variation>
+    <a:lumMod val="70000"/>
+  </cs:variation>
+  <cs:variation>
+    <a:lumMod val="50000"/>
+    <a:lumOff val="50000"/>
+  </cs:variation>
+</cs:colorStyle>
+</file>
+
+<file path=ppt/charts/style1.xml><?xml version="1.0" encoding="utf-8"?>
+<cs:chartStyle xmlns:cs="http://schemas.microsoft.com/office/drawing/2012/chartStyle" xmlns:a="http://schemas.openxmlformats.org/drawingml/2006/main" id="201">
+  <cs:axisTitle>
+    <cs:lnRef idx="0"/>
+    <cs:fillRef idx="0"/>
+    <cs:effectRef idx="0"/>
+    <cs:fontRef idx="minor">
+      <a:schemeClr val="tx1">
+        <a:lumMod val="65000"/>
+        <a:lumOff val="35000"/>
+      </a:schemeClr>
+    </cs:fontRef>
+    <cs:defRPr sz="1000" kern="1200"/>
+  </cs:axisTitle>
+  <cs:categoryAxis>
+    <cs:lnRef idx="0"/>
+    <cs:fillRef idx="0"/>
+    <cs:effectRef idx="0"/>
+    <cs:fontRef idx="minor">
+      <a:schemeClr val="tx1">
+        <a:lumMod val="65000"/>
+        <a:lumOff val="35000"/>
+      </a:schemeClr>
+    </cs:fontRef>
+    <cs:spPr>
+      <a:ln w="9525" cap="flat" cmpd="sng" algn="ctr">
+        <a:solidFill>
+          <a:schemeClr val="tx1">
+            <a:lumMod val="15000"/>
+            <a:lumOff val="85000"/>
+          </a:schemeClr>
+        </a:solidFill>
+        <a:round/>
+      </a:ln>
+    </cs:spPr>
+    <cs:defRPr sz="900" kern="1200"/>
+  </cs:categoryAxis>
+  <cs:chartArea mods="allowNoFillOverride allowNoLineOverride">
+    <cs:lnRef idx="0"/>
+    <cs:fillRef idx="0"/>
+    <cs:effectRef idx="0"/>
+    <cs:fontRef idx="minor">
+      <a:schemeClr val="tx1"/>
+    </cs:fontRef>
+    <cs:spPr>
+      <a:solidFill>
+        <a:schemeClr val="bg1"/>
+      </a:solidFill>
+      <a:ln w="9525" cap="flat" cmpd="sng" algn="ctr">
+        <a:solidFill>
+          <a:schemeClr val="tx1">
+            <a:lumMod val="15000"/>
+            <a:lumOff val="85000"/>
+          </a:schemeClr>
+        </a:solidFill>
+        <a:round/>
+      </a:ln>
+    </cs:spPr>
+    <cs:defRPr sz="1000" kern="1200"/>
+  </cs:chartArea>
+  <cs:dataLabel>
+    <cs:lnRef idx="0"/>
+    <cs:fillRef idx="0"/>
+    <cs:effectRef idx="0"/>
+    <cs:fontRef idx="minor">
+      <a:schemeClr val="tx1">
+        <a:lumMod val="75000"/>
+        <a:lumOff val="25000"/>
+      </a:schemeClr>
+    </cs:fontRef>
+    <cs:defRPr sz="900" kern="1200"/>
+  </cs:dataLabel>
+  <cs:dataLabelCallout>
+    <cs:lnRef idx="0"/>
+    <cs:fillRef idx="0"/>
+    <cs:effectRef idx="0"/>
+    <cs:fontRef idx="minor">
+      <a:schemeClr val="dk1">
+        <a:lumMod val="65000"/>
+        <a:lumOff val="35000"/>
+      </a:schemeClr>
+    </cs:fontRef>
+    <cs:spPr>
+      <a:solidFill>
+        <a:schemeClr val="lt1"/>
+      </a:solidFill>
+      <a:ln>
+        <a:solidFill>
+          <a:schemeClr val="dk1">
+            <a:lumMod val="25000"/>
+            <a:lumOff val="75000"/>
+          </a:schemeClr>
+        </a:solidFill>
+      </a:ln>
+    </cs:spPr>
+    <cs:defRPr sz="900" kern="1200"/>
+    <cs:bodyPr rot="0" spcFirstLastPara="1" vertOverflow="clip" horzOverflow="clip" vert="horz" wrap="square" lIns="36576" tIns="18288" rIns="36576" bIns="18288" anchor="ctr" anchorCtr="1">
+      <a:spAutoFit/>
+    </cs:bodyPr>
+  </cs:dataLabelCallout>
+  <cs:dataPoint>
+    <cs:lnRef idx="0"/>
+    <cs:fillRef idx="1">
+      <cs:styleClr val="auto"/>
+    </cs:fillRef>
+    <cs:effectRef idx="0"/>
+    <cs:fontRef idx="minor">
+      <a:schemeClr val="tx1"/>
+    </cs:fontRef>
+  </cs:dataPoint>
+  <cs:dataPoint3D>
+    <cs:lnRef idx="0"/>
+    <cs:fillRef idx="1">
+      <cs:styleClr val="auto"/>
+    </cs:fillRef>
+    <cs:effectRef idx="0"/>
+    <cs:fontRef idx="minor">
+      <a:schemeClr val="tx1"/>
+    </cs:fontRef>
+  </cs:dataPoint3D>
+  <cs:dataPointLine>
+    <cs:lnRef idx="0">
+      <cs:styleClr val="auto"/>
+    </cs:lnRef>
+    <cs:fillRef idx="1"/>
+    <cs:effectRef idx="0"/>
+    <cs:fontRef idx="minor">
+      <a:schemeClr val="tx1"/>
+    </cs:fontRef>
+    <cs:spPr>
+      <a:ln w="28575" cap="rnd">
+        <a:solidFill>
+          <a:schemeClr val="phClr"/>
+        </a:solidFill>
+        <a:round/>
+      </a:ln>
+    </cs:spPr>
+  </cs:dataPointLine>
+  <cs:dataPointMarker>
+    <cs:lnRef idx="0">
+      <cs:styleClr val="auto"/>
+    </cs:lnRef>
+    <cs:fillRef idx="1">
+      <cs:styleClr val="auto"/>
+    </cs:fillRef>
+    <cs:effectRef idx="0"/>
+    <cs:fontRef idx="minor">
+      <a:schemeClr val="tx1"/>
+    </cs:fontRef>
+    <cs:spPr>
+      <a:ln w="9525">
+        <a:solidFill>
+          <a:schemeClr val="phClr"/>
+        </a:solidFill>
+      </a:ln>
+    </cs:spPr>
+  </cs:dataPointMarker>
+  <cs:dataPointMarkerLayout symbol="circle" size="5"/>
+  <cs:dataPointWireframe>
+    <cs:lnRef idx="0">
+      <cs:styleClr val="auto"/>
+    </cs:lnRef>
+    <cs:fillRef idx="1"/>
+    <cs:effectRef idx="0"/>
+    <cs:fontRef idx="minor">
+      <a:schemeClr val="tx1"/>
+    </cs:fontRef>
+    <cs:spPr>
+      <a:ln w="9525" cap="rnd">
+        <a:solidFill>
+          <a:schemeClr val="phClr"/>
+        </a:solidFill>
+        <a:round/>
+      </a:ln>
+    </cs:spPr>
+  </cs:dataPointWireframe>
+  <cs:dataTable>
+    <cs:lnRef idx="0"/>
+    <cs:fillRef idx="0"/>
+    <cs:effectRef idx="0"/>
+    <cs:fontRef idx="minor">
+      <a:schemeClr val="tx1">
+        <a:lumMod val="65000"/>
+        <a:lumOff val="35000"/>
+      </a:schemeClr>
+    </cs:fontRef>
+    <cs:spPr>
+      <a:noFill/>
+      <a:ln w="9525" cap="flat" cmpd="sng" algn="ctr">
+        <a:solidFill>
+          <a:schemeClr val="tx1">
+            <a:lumMod val="15000"/>
+            <a:lumOff val="85000"/>
+          </a:schemeClr>
+        </a:solidFill>
+        <a:round/>
+      </a:ln>
+    </cs:spPr>
+    <cs:defRPr sz="900" kern="1200"/>
+  </cs:dataTable>
+  <cs:downBar>
+    <cs:lnRef idx="0"/>
+    <cs:fillRef idx="0"/>
+    <cs:effectRef idx="0"/>
+    <cs:fontRef idx="minor">
+      <a:schemeClr val="dk1"/>
+    </cs:fontRef>
+    <cs:spPr>
+      <a:solidFill>
+        <a:schemeClr val="dk1">
+          <a:lumMod val="65000"/>
+          <a:lumOff val="35000"/>
+        </a:schemeClr>
+      </a:solidFill>
+      <a:ln w="9525">
+        <a:solidFill>
+          <a:schemeClr val="tx1">
+            <a:lumMod val="65000"/>
+            <a:lumOff val="35000"/>
+          </a:schemeClr>
+        </a:solidFill>
+      </a:ln>
+    </cs:spPr>
+  </cs:downBar>
+  <cs:dropLine>
+    <cs:lnRef idx="0"/>
+    <cs:fillRef idx="0"/>
+    <cs:effectRef idx="0"/>
+    <cs:fontRef idx="minor">
+      <a:schemeClr val="tx1"/>
+    </cs:fontRef>
+    <cs:spPr>
+      <a:ln w="9525" cap="flat" cmpd="sng" algn="ctr">
+        <a:solidFill>
+          <a:schemeClr val="tx1">
+            <a:lumMod val="35000"/>
+            <a:lumOff val="65000"/>
+          </a:schemeClr>
+        </a:solidFill>
+        <a:round/>
+      </a:ln>
+    </cs:spPr>
+  </cs:dropLine>
+  <cs:errorBar>
+    <cs:lnRef idx="0"/>
+    <cs:fillRef idx="0"/>
+    <cs:effectRef idx="0"/>
+    <cs:fontRef idx="minor">
+      <a:schemeClr val="tx1"/>
+    </cs:fontRef>
+    <cs:spPr>
+      <a:ln w="9525" cap="flat" cmpd="sng" algn="ctr">
+        <a:solidFill>
+          <a:schemeClr val="tx1">
+            <a:lumMod val="65000"/>
+            <a:lumOff val="35000"/>
+          </a:schemeClr>
+        </a:solidFill>
+        <a:round/>
+      </a:ln>
+    </cs:spPr>
+  </cs:errorBar>
+  <cs:floor>
+    <cs:lnRef idx="0"/>
+    <cs:fillRef idx="0"/>
+    <cs:effectRef idx="0"/>
+    <cs:fontRef idx="minor">
+      <a:schemeClr val="tx1"/>
+    </cs:fontRef>
+    <cs:spPr>
+      <a:noFill/>
+      <a:ln>
+        <a:noFill/>
+      </a:ln>
+    </cs:spPr>
+  </cs:floor>
+  <cs:gridlineMajor>
+    <cs:lnRef idx="0"/>
+    <cs:fillRef idx="0"/>
+    <cs:effectRef idx="0"/>
+    <cs:fontRef idx="minor">
+      <a:schemeClr val="tx1"/>
+    </cs:fontRef>
+    <cs:spPr>
+      <a:ln w="9525" cap="flat" cmpd="sng" algn="ctr">
+        <a:solidFill>
+          <a:schemeClr val="tx1">
+            <a:lumMod val="15000"/>
+            <a:lumOff val="85000"/>
+          </a:schemeClr>
+        </a:solidFill>
+        <a:round/>
+      </a:ln>
+    </cs:spPr>
+  </cs:gridlineMajor>
+  <cs:gridlineMinor>
+    <cs:lnRef idx="0"/>
+    <cs:fillRef idx="0"/>
+    <cs:effectRef idx="0"/>
+    <cs:fontRef idx="minor">
+      <a:schemeClr val="tx1"/>
+    </cs:fontRef>
+    <cs:spPr>
+      <a:ln w="9525" cap="flat" cmpd="sng" algn="ctr">
+        <a:solidFill>
+          <a:schemeClr val="tx1">
+            <a:lumMod val="5000"/>
+            <a:lumOff val="95000"/>
+          </a:schemeClr>
+        </a:solidFill>
+        <a:round/>
+      </a:ln>
+    </cs:spPr>
+  </cs:gridlineMinor>
+  <cs:hiLoLine>
+    <cs:lnRef idx="0"/>
+    <cs:fillRef idx="0"/>
+    <cs:effectRef idx="0"/>
+    <cs:fontRef idx="minor">
+      <a:schemeClr val="tx1"/>
+    </cs:fontRef>
+    <cs:spPr>
+      <a:ln w="9525" cap="flat" cmpd="sng" algn="ctr">
+        <a:solidFill>
+          <a:schemeClr val="tx1">
+            <a:lumMod val="75000"/>
+            <a:lumOff val="25000"/>
+          </a:schemeClr>
+        </a:solidFill>
+        <a:round/>
+      </a:ln>
+    </cs:spPr>
+  </cs:hiLoLine>
+  <cs:leaderLine>
+    <cs:lnRef idx="0"/>
+    <cs:fillRef idx="0"/>
+    <cs:effectRef idx="0"/>
+    <cs:fontRef idx="minor">
+      <a:schemeClr val="tx1"/>
+    </cs:fontRef>
+    <cs:spPr>
+      <a:ln w="9525" cap="flat" cmpd="sng" algn="ctr">
+        <a:solidFill>
+          <a:schemeClr val="tx1">
+            <a:lumMod val="35000"/>
+            <a:lumOff val="65000"/>
+          </a:schemeClr>
+        </a:solidFill>
+        <a:round/>
+      </a:ln>
+    </cs:spPr>
+  </cs:leaderLine>
+  <cs:legend>
+    <cs:lnRef idx="0"/>
+    <cs:fillRef idx="0"/>
+    <cs:effectRef idx="0"/>
+    <cs:fontRef idx="minor">
+      <a:schemeClr val="tx1">
+        <a:lumMod val="65000"/>
+        <a:lumOff val="35000"/>
+      </a:schemeClr>
+    </cs:fontRef>
+    <cs:defRPr sz="900" kern="1200"/>
+  </cs:legend>
+  <cs:plotArea mods="allowNoFillOverride allowNoLineOverride">
+    <cs:lnRef idx="0"/>
+    <cs:fillRef idx="0"/>
+    <cs:effectRef idx="0"/>
+    <cs:fontRef idx="minor">
+      <a:schemeClr val="tx1"/>
+    </cs:fontRef>
+  </cs:plotArea>
+  <cs:plotArea3D mods="allowNoFillOverride allowNoLineOverride">
+    <cs:lnRef idx="0"/>
+    <cs:fillRef idx="0"/>
+    <cs:effectRef idx="0"/>
+    <cs:fontRef idx="minor">
+      <a:schemeClr val="tx1"/>
+    </cs:fontRef>
+  </cs:plotArea3D>
+  <cs:seriesAxis>
+    <cs:lnRef idx="0"/>
+    <cs:fillRef idx="0"/>
+    <cs:effectRef idx="0"/>
+    <cs:fontRef idx="minor">
+      <a:schemeClr val="tx1">
+        <a:lumMod val="65000"/>
+        <a:lumOff val="35000"/>
+      </a:schemeClr>
+    </cs:fontRef>
+    <cs:defRPr sz="900" kern="1200"/>
+  </cs:seriesAxis>
+  <cs:seriesLine>
+    <cs:lnRef idx="0"/>
+    <cs:fillRef idx="0"/>
+    <cs:effectRef idx="0"/>
+    <cs:fontRef idx="minor">
+      <a:schemeClr val="tx1"/>
+    </cs:fontRef>
+    <cs:spPr>
+      <a:ln w="9525" cap="flat" cmpd="sng" algn="ctr">
+        <a:solidFill>
+          <a:schemeClr val="tx1">
+            <a:lumMod val="35000"/>
+            <a:lumOff val="65000"/>
+          </a:schemeClr>
+        </a:solidFill>
+        <a:round/>
+      </a:ln>
+    </cs:spPr>
+  </cs:seriesLine>
+  <cs:title>
+    <cs:lnRef idx="0"/>
+    <cs:fillRef idx="0"/>
+    <cs:effectRef idx="0"/>
+    <cs:fontRef idx="minor">
+      <a:schemeClr val="tx1">
+        <a:lumMod val="65000"/>
+        <a:lumOff val="35000"/>
+      </a:schemeClr>
+    </cs:fontRef>
+    <cs:defRPr sz="1400" b="0" kern="1200" spc="0" baseline="0"/>
+  </cs:title>
+  <cs:trendline>
+    <cs:lnRef idx="0">
+      <cs:styleClr val="auto"/>
+    </cs:lnRef>
+    <cs:fillRef idx="0"/>
+    <cs:effectRef idx="0"/>
+    <cs:fontRef idx="minor">
+      <a:schemeClr val="tx1"/>
+    </cs:fontRef>
+    <cs:spPr>
+      <a:ln w="19050" cap="rnd">
+        <a:solidFill>
+          <a:schemeClr val="phClr"/>
+        </a:solidFill>
+        <a:prstDash val="sysDot"/>
+      </a:ln>
+    </cs:spPr>
+  </cs:trendline>
+  <cs:trendlineLabel>
+    <cs:lnRef idx="0"/>
+    <cs:fillRef idx="0"/>
+    <cs:effectRef idx="0"/>
+    <cs:fontRef idx="minor">
+      <a:schemeClr val="tx1">
+        <a:lumMod val="65000"/>
+        <a:lumOff val="35000"/>
+      </a:schemeClr>
+    </cs:fontRef>
+    <cs:defRPr sz="900" kern="1200"/>
+  </cs:trendlineLabel>
+  <cs:upBar>
+    <cs:lnRef idx="0"/>
+    <cs:fillRef idx="0"/>
+    <cs:effectRef idx="0"/>
+    <cs:fontRef idx="minor">
+      <a:schemeClr val="dk1"/>
+    </cs:fontRef>
+    <cs:spPr>
+      <a:solidFill>
+        <a:schemeClr val="lt1"/>
+      </a:solidFill>
+      <a:ln w="9525">
+        <a:solidFill>
+          <a:schemeClr val="tx1">
+            <a:lumMod val="15000"/>
+            <a:lumOff val="85000"/>
+          </a:schemeClr>
+        </a:solidFill>
+      </a:ln>
+    </cs:spPr>
+  </cs:upBar>
+  <cs:valueAxis>
+    <cs:lnRef idx="0"/>
+    <cs:fillRef idx="0"/>
+    <cs:effectRef idx="0"/>
+    <cs:fontRef idx="minor">
+      <a:schemeClr val="tx1">
+        <a:lumMod val="65000"/>
+        <a:lumOff val="35000"/>
+      </a:schemeClr>
+    </cs:fontRef>
+    <cs:defRPr sz="900" kern="1200"/>
+  </cs:valueAxis>
+  <cs:wall>
+    <cs:lnRef idx="0"/>
+    <cs:fillRef idx="0"/>
+    <cs:effectRef idx="0"/>
+    <cs:fontRef idx="minor">
+      <a:schemeClr val="tx1"/>
+    </cs:fontRef>
+    <cs:spPr>
+      <a:noFill/>
+      <a:ln>
+        <a:noFill/>
+      </a:ln>
+    </cs:spPr>
+  </cs:wall>
+</cs:chartStyle>
+</file>
+
+<file path=ppt/charts/style2.xml><?xml version="1.0" encoding="utf-8"?>
+<cs:chartStyle xmlns:cs="http://schemas.microsoft.com/office/drawing/2012/chartStyle" xmlns:a="http://schemas.openxmlformats.org/drawingml/2006/main" id="201">
+  <cs:axisTitle>
+    <cs:lnRef idx="0"/>
+    <cs:fillRef idx="0"/>
+    <cs:effectRef idx="0"/>
+    <cs:fontRef idx="minor">
+      <a:schemeClr val="tx1">
+        <a:lumMod val="65000"/>
+        <a:lumOff val="35000"/>
+      </a:schemeClr>
+    </cs:fontRef>
+    <cs:defRPr sz="1000" kern="1200"/>
+  </cs:axisTitle>
+  <cs:categoryAxis>
+    <cs:lnRef idx="0"/>
+    <cs:fillRef idx="0"/>
+    <cs:effectRef idx="0"/>
+    <cs:fontRef idx="minor">
+      <a:schemeClr val="tx1">
+        <a:lumMod val="65000"/>
+        <a:lumOff val="35000"/>
+      </a:schemeClr>
+    </cs:fontRef>
+    <cs:spPr>
+      <a:ln w="9525" cap="flat" cmpd="sng" algn="ctr">
+        <a:solidFill>
+          <a:schemeClr val="tx1">
+            <a:lumMod val="15000"/>
+            <a:lumOff val="85000"/>
+          </a:schemeClr>
+        </a:solidFill>
+        <a:round/>
+      </a:ln>
+    </cs:spPr>
+    <cs:defRPr sz="900" kern="1200"/>
+  </cs:categoryAxis>
+  <cs:chartArea mods="allowNoFillOverride allowNoLineOverride">
+    <cs:lnRef idx="0"/>
+    <cs:fillRef idx="0"/>
+    <cs:effectRef idx="0"/>
+    <cs:fontRef idx="minor">
+      <a:schemeClr val="tx1"/>
+    </cs:fontRef>
+    <cs:spPr>
+      <a:solidFill>
+        <a:schemeClr val="bg1"/>
+      </a:solidFill>
+      <a:ln w="9525" cap="flat" cmpd="sng" algn="ctr">
+        <a:solidFill>
+          <a:schemeClr val="tx1">
+            <a:lumMod val="15000"/>
+            <a:lumOff val="85000"/>
+          </a:schemeClr>
+        </a:solidFill>
+        <a:round/>
+      </a:ln>
+    </cs:spPr>
+    <cs:defRPr sz="1000" kern="1200"/>
+  </cs:chartArea>
+  <cs:dataLabel>
+    <cs:lnRef idx="0"/>
+    <cs:fillRef idx="0"/>
+    <cs:effectRef idx="0"/>
+    <cs:fontRef idx="minor">
+      <a:schemeClr val="tx1">
+        <a:lumMod val="75000"/>
+        <a:lumOff val="25000"/>
+      </a:schemeClr>
+    </cs:fontRef>
+    <cs:defRPr sz="900" kern="1200"/>
+  </cs:dataLabel>
+  <cs:dataLabelCallout>
+    <cs:lnRef idx="0"/>
+    <cs:fillRef idx="0"/>
+    <cs:effectRef idx="0"/>
+    <cs:fontRef idx="minor">
+      <a:schemeClr val="dk1">
+        <a:lumMod val="65000"/>
+        <a:lumOff val="35000"/>
+      </a:schemeClr>
+    </cs:fontRef>
+    <cs:spPr>
+      <a:solidFill>
+        <a:schemeClr val="lt1"/>
+      </a:solidFill>
+      <a:ln>
+        <a:solidFill>
+          <a:schemeClr val="dk1">
+            <a:lumMod val="25000"/>
+            <a:lumOff val="75000"/>
+          </a:schemeClr>
+        </a:solidFill>
+      </a:ln>
+    </cs:spPr>
+    <cs:defRPr sz="900" kern="1200"/>
+    <cs:bodyPr rot="0" spcFirstLastPara="1" vertOverflow="clip" horzOverflow="clip" vert="horz" wrap="square" lIns="36576" tIns="18288" rIns="36576" bIns="18288" anchor="ctr" anchorCtr="1">
+      <a:spAutoFit/>
+    </cs:bodyPr>
+  </cs:dataLabelCallout>
+  <cs:dataPoint>
+    <cs:lnRef idx="0"/>
+    <cs:fillRef idx="1">
+      <cs:styleClr val="auto"/>
+    </cs:fillRef>
+    <cs:effectRef idx="0"/>
+    <cs:fontRef idx="minor">
+      <a:schemeClr val="tx1"/>
+    </cs:fontRef>
+  </cs:dataPoint>
+  <cs:dataPoint3D>
+    <cs:lnRef idx="0"/>
+    <cs:fillRef idx="1">
+      <cs:styleClr val="auto"/>
+    </cs:fillRef>
+    <cs:effectRef idx="0"/>
+    <cs:fontRef idx="minor">
+      <a:schemeClr val="tx1"/>
+    </cs:fontRef>
+  </cs:dataPoint3D>
+  <cs:dataPointLine>
+    <cs:lnRef idx="0">
+      <cs:styleClr val="auto"/>
+    </cs:lnRef>
+    <cs:fillRef idx="1"/>
+    <cs:effectRef idx="0"/>
+    <cs:fontRef idx="minor">
+      <a:schemeClr val="tx1"/>
+    </cs:fontRef>
+    <cs:spPr>
+      <a:ln w="28575" cap="rnd">
+        <a:solidFill>
+          <a:schemeClr val="phClr"/>
+        </a:solidFill>
+        <a:round/>
+      </a:ln>
+    </cs:spPr>
+  </cs:dataPointLine>
+  <cs:dataPointMarker>
+    <cs:lnRef idx="0">
+      <cs:styleClr val="auto"/>
+    </cs:lnRef>
+    <cs:fillRef idx="1">
+      <cs:styleClr val="auto"/>
+    </cs:fillRef>
+    <cs:effectRef idx="0"/>
+    <cs:fontRef idx="minor">
+      <a:schemeClr val="tx1"/>
+    </cs:fontRef>
+    <cs:spPr>
+      <a:ln w="9525">
+        <a:solidFill>
+          <a:schemeClr val="phClr"/>
+        </a:solidFill>
+      </a:ln>
+    </cs:spPr>
+  </cs:dataPointMarker>
+  <cs:dataPointMarkerLayout symbol="circle" size="5"/>
+  <cs:dataPointWireframe>
+    <cs:lnRef idx="0">
+      <cs:styleClr val="auto"/>
+    </cs:lnRef>
+    <cs:fillRef idx="1"/>
+    <cs:effectRef idx="0"/>
+    <cs:fontRef idx="minor">
+      <a:schemeClr val="tx1"/>
+    </cs:fontRef>
+    <cs:spPr>
+      <a:ln w="9525" cap="rnd">
+        <a:solidFill>
+          <a:schemeClr val="phClr"/>
+        </a:solidFill>
+        <a:round/>
+      </a:ln>
+    </cs:spPr>
+  </cs:dataPointWireframe>
+  <cs:dataTable>
+    <cs:lnRef idx="0"/>
+    <cs:fillRef idx="0"/>
+    <cs:effectRef idx="0"/>
+    <cs:fontRef idx="minor">
+      <a:schemeClr val="tx1">
+        <a:lumMod val="65000"/>
+        <a:lumOff val="35000"/>
+      </a:schemeClr>
+    </cs:fontRef>
+    <cs:spPr>
+      <a:noFill/>
+      <a:ln w="9525" cap="flat" cmpd="sng" algn="ctr">
+        <a:solidFill>
+          <a:schemeClr val="tx1">
+            <a:lumMod val="15000"/>
+            <a:lumOff val="85000"/>
+          </a:schemeClr>
+        </a:solidFill>
+        <a:round/>
+      </a:ln>
+    </cs:spPr>
+    <cs:defRPr sz="900" kern="1200"/>
+  </cs:dataTable>
+  <cs:downBar>
+    <cs:lnRef idx="0"/>
+    <cs:fillRef idx="0"/>
+    <cs:effectRef idx="0"/>
+    <cs:fontRef idx="minor">
+      <a:schemeClr val="dk1"/>
+    </cs:fontRef>
+    <cs:spPr>
+      <a:solidFill>
+        <a:schemeClr val="dk1">
+          <a:lumMod val="65000"/>
+          <a:lumOff val="35000"/>
+        </a:schemeClr>
+      </a:solidFill>
+      <a:ln w="9525">
+        <a:solidFill>
+          <a:schemeClr val="tx1">
+            <a:lumMod val="65000"/>
+            <a:lumOff val="35000"/>
+          </a:schemeClr>
+        </a:solidFill>
+      </a:ln>
+    </cs:spPr>
+  </cs:downBar>
+  <cs:dropLine>
+    <cs:lnRef idx="0"/>
+    <cs:fillRef idx="0"/>
+    <cs:effectRef idx="0"/>
+    <cs:fontRef idx="minor">
+      <a:schemeClr val="tx1"/>
+    </cs:fontRef>
+    <cs:spPr>
+      <a:ln w="9525" cap="flat" cmpd="sng" algn="ctr">
+        <a:solidFill>
+          <a:schemeClr val="tx1">
+            <a:lumMod val="35000"/>
+            <a:lumOff val="65000"/>
+          </a:schemeClr>
+        </a:solidFill>
+        <a:round/>
+      </a:ln>
+    </cs:spPr>
+  </cs:dropLine>
+  <cs:errorBar>
+    <cs:lnRef idx="0"/>
+    <cs:fillRef idx="0"/>
+    <cs:effectRef idx="0"/>
+    <cs:fontRef idx="minor">
+      <a:schemeClr val="tx1"/>
+    </cs:fontRef>
+    <cs:spPr>
+      <a:ln w="9525" cap="flat" cmpd="sng" algn="ctr">
+        <a:solidFill>
+          <a:schemeClr val="tx1">
+            <a:lumMod val="65000"/>
+            <a:lumOff val="35000"/>
+          </a:schemeClr>
+        </a:solidFill>
+        <a:round/>
+      </a:ln>
+    </cs:spPr>
+  </cs:errorBar>
+  <cs:floor>
+    <cs:lnRef idx="0"/>
+    <cs:fillRef idx="0"/>
+    <cs:effectRef idx="0"/>
+    <cs:fontRef idx="minor">
+      <a:schemeClr val="tx1"/>
+    </cs:fontRef>
+    <cs:spPr>
+      <a:noFill/>
+      <a:ln>
+        <a:noFill/>
+      </a:ln>
+    </cs:spPr>
+  </cs:floor>
+  <cs:gridlineMajor>
+    <cs:lnRef idx="0"/>
+    <cs:fillRef idx="0"/>
+    <cs:effectRef idx="0"/>
+    <cs:fontRef idx="minor">
+      <a:schemeClr val="tx1"/>
+    </cs:fontRef>
+    <cs:spPr>
+      <a:ln w="9525" cap="flat" cmpd="sng" algn="ctr">
+        <a:solidFill>
+          <a:schemeClr val="tx1">
+            <a:lumMod val="15000"/>
+            <a:lumOff val="85000"/>
+          </a:schemeClr>
+        </a:solidFill>
+        <a:round/>
+      </a:ln>
+    </cs:spPr>
+  </cs:gridlineMajor>
+  <cs:gridlineMinor>
+    <cs:lnRef idx="0"/>
+    <cs:fillRef idx="0"/>
+    <cs:effectRef idx="0"/>
+    <cs:fontRef idx="minor">
+      <a:schemeClr val="tx1"/>
+    </cs:fontRef>
+    <cs:spPr>
+      <a:ln w="9525" cap="flat" cmpd="sng" algn="ctr">
+        <a:solidFill>
+          <a:schemeClr val="tx1">
+            <a:lumMod val="5000"/>
+            <a:lumOff val="95000"/>
+          </a:schemeClr>
+        </a:solidFill>
+        <a:round/>
+      </a:ln>
+    </cs:spPr>
+  </cs:gridlineMinor>
+  <cs:hiLoLine>
+    <cs:lnRef idx="0"/>
+    <cs:fillRef idx="0"/>
+    <cs:effectRef idx="0"/>
+    <cs:fontRef idx="minor">
+      <a:schemeClr val="tx1"/>
+    </cs:fontRef>
+    <cs:spPr>
+      <a:ln w="9525" cap="flat" cmpd="sng" algn="ctr">
+        <a:solidFill>
+          <a:schemeClr val="tx1">
+            <a:lumMod val="75000"/>
+            <a:lumOff val="25000"/>
+          </a:schemeClr>
+        </a:solidFill>
+        <a:round/>
+      </a:ln>
+    </cs:spPr>
+  </cs:hiLoLine>
+  <cs:leaderLine>
+    <cs:lnRef idx="0"/>
+    <cs:fillRef idx="0"/>
+    <cs:effectRef idx="0"/>
+    <cs:fontRef idx="minor">
+      <a:schemeClr val="tx1"/>
+    </cs:fontRef>
+    <cs:spPr>
+      <a:ln w="9525" cap="flat" cmpd="sng" algn="ctr">
+        <a:solidFill>
+          <a:schemeClr val="tx1">
+            <a:lumMod val="35000"/>
+            <a:lumOff val="65000"/>
+          </a:schemeClr>
+        </a:solidFill>
+        <a:round/>
+      </a:ln>
+    </cs:spPr>
+  </cs:leaderLine>
+  <cs:legend>
+    <cs:lnRef idx="0"/>
+    <cs:fillRef idx="0"/>
+    <cs:effectRef idx="0"/>
+    <cs:fontRef idx="minor">
+      <a:schemeClr val="tx1">
+        <a:lumMod val="65000"/>
+        <a:lumOff val="35000"/>
+      </a:schemeClr>
+    </cs:fontRef>
+    <cs:defRPr sz="900" kern="1200"/>
+  </cs:legend>
+  <cs:plotArea mods="allowNoFillOverride allowNoLineOverride">
+    <cs:lnRef idx="0"/>
+    <cs:fillRef idx="0"/>
+    <cs:effectRef idx="0"/>
+    <cs:fontRef idx="minor">
+      <a:schemeClr val="tx1"/>
+    </cs:fontRef>
+  </cs:plotArea>
+  <cs:plotArea3D mods="allowNoFillOverride allowNoLineOverride">
+    <cs:lnRef idx="0"/>
+    <cs:fillRef idx="0"/>
+    <cs:effectRef idx="0"/>
+    <cs:fontRef idx="minor">
+      <a:schemeClr val="tx1"/>
+    </cs:fontRef>
+  </cs:plotArea3D>
+  <cs:seriesAxis>
+    <cs:lnRef idx="0"/>
+    <cs:fillRef idx="0"/>
+    <cs:effectRef idx="0"/>
+    <cs:fontRef idx="minor">
+      <a:schemeClr val="tx1">
+        <a:lumMod val="65000"/>
+        <a:lumOff val="35000"/>
+      </a:schemeClr>
+    </cs:fontRef>
+    <cs:defRPr sz="900" kern="1200"/>
+  </cs:seriesAxis>
+  <cs:seriesLine>
+    <cs:lnRef idx="0"/>
+    <cs:fillRef idx="0"/>
+    <cs:effectRef idx="0"/>
+    <cs:fontRef idx="minor">
+      <a:schemeClr val="tx1"/>
+    </cs:fontRef>
+    <cs:spPr>
+      <a:ln w="9525" cap="flat" cmpd="sng" algn="ctr">
+        <a:solidFill>
+          <a:schemeClr val="tx1">
+            <a:lumMod val="35000"/>
+            <a:lumOff val="65000"/>
+          </a:schemeClr>
+        </a:solidFill>
+        <a:round/>
+      </a:ln>
+    </cs:spPr>
+  </cs:seriesLine>
+  <cs:title>
+    <cs:lnRef idx="0"/>
+    <cs:fillRef idx="0"/>
+    <cs:effectRef idx="0"/>
+    <cs:fontRef idx="minor">
+      <a:schemeClr val="tx1">
+        <a:lumMod val="65000"/>
+        <a:lumOff val="35000"/>
+      </a:schemeClr>
+    </cs:fontRef>
+    <cs:defRPr sz="1400" b="0" kern="1200" spc="0" baseline="0"/>
+  </cs:title>
+  <cs:trendline>
+    <cs:lnRef idx="0">
+      <cs:styleClr val="auto"/>
+    </cs:lnRef>
+    <cs:fillRef idx="0"/>
+    <cs:effectRef idx="0"/>
+    <cs:fontRef idx="minor">
+      <a:schemeClr val="tx1"/>
+    </cs:fontRef>
+    <cs:spPr>
+      <a:ln w="19050" cap="rnd">
+        <a:solidFill>
+          <a:schemeClr val="phClr"/>
+        </a:solidFill>
+        <a:prstDash val="sysDot"/>
+      </a:ln>
+    </cs:spPr>
+  </cs:trendline>
+  <cs:trendlineLabel>
+    <cs:lnRef idx="0"/>
+    <cs:fillRef idx="0"/>
+    <cs:effectRef idx="0"/>
+    <cs:fontRef idx="minor">
+      <a:schemeClr val="tx1">
+        <a:lumMod val="65000"/>
+        <a:lumOff val="35000"/>
+      </a:schemeClr>
+    </cs:fontRef>
+    <cs:defRPr sz="900" kern="1200"/>
+  </cs:trendlineLabel>
+  <cs:upBar>
+    <cs:lnRef idx="0"/>
+    <cs:fillRef idx="0"/>
+    <cs:effectRef idx="0"/>
+    <cs:fontRef idx="minor">
+      <a:schemeClr val="dk1"/>
+    </cs:fontRef>
+    <cs:spPr>
+      <a:solidFill>
+        <a:schemeClr val="lt1"/>
+      </a:solidFill>
+      <a:ln w="9525">
+        <a:solidFill>
+          <a:schemeClr val="tx1">
+            <a:lumMod val="15000"/>
+            <a:lumOff val="85000"/>
+          </a:schemeClr>
+        </a:solidFill>
+      </a:ln>
+    </cs:spPr>
+  </cs:upBar>
+  <cs:valueAxis>
+    <cs:lnRef idx="0"/>
+    <cs:fillRef idx="0"/>
+    <cs:effectRef idx="0"/>
+    <cs:fontRef idx="minor">
+      <a:schemeClr val="tx1">
+        <a:lumMod val="65000"/>
+        <a:lumOff val="35000"/>
+      </a:schemeClr>
+    </cs:fontRef>
+    <cs:defRPr sz="900" kern="1200"/>
+  </cs:valueAxis>
+  <cs:wall>
+    <cs:lnRef idx="0"/>
+    <cs:fillRef idx="0"/>
+    <cs:effectRef idx="0"/>
+    <cs:fontRef idx="minor">
+      <a:schemeClr val="tx1"/>
+    </cs:fontRef>
+    <cs:spPr>
+      <a:noFill/>
+      <a:ln>
+        <a:noFill/>
+      </a:ln>
+    </cs:spPr>
+  </cs:wall>
+</cs:chartStyle>
+</file>
+
 <file path=ppt/handoutMasters/handoutMaster1.xml><?xml version="1.0" encoding="utf-8"?>
 <p:handoutMaster xmlns:a="http://schemas.openxmlformats.org/drawingml/2006/main" xmlns:r="http://schemas.openxmlformats.org/officeDocument/2006/relationships" xmlns:p="http://schemas.openxmlformats.org/presentationml/2006/main">
   <p:cSld>
@@ -228,7 +1884,7 @@
           <a:p>
             <a:fld id="{EF846D1D-A881-436D-8A5A-3AF963E93FE4}" type="datetime1">
               <a:rPr lang="fr-FR" smtClean="0"/>
-              <a:t>19/01/2021</a:t>
+              <a:t>21/01/2021</a:t>
             </a:fld>
             <a:endParaRPr lang="fr-FR"/>
           </a:p>
@@ -409,7 +2065,7 @@
           <a:p>
             <a:fld id="{2A80B79A-AD88-4EEA-B55F-401F1BE355D3}" type="datetime1">
               <a:rPr lang="fr-FR" smtClean="0"/>
-              <a:t>19/01/2021</a:t>
+              <a:t>21/01/2021</a:t>
             </a:fld>
             <a:endParaRPr lang="fr-FR"/>
           </a:p>
@@ -765,7 +2421,7 @@
           <a:p>
             <a:fld id="{BCDA2F7F-3FB0-40AB-92D2-3FE7FBCFF074}" type="datetime1">
               <a:rPr lang="fr-FR" smtClean="0"/>
-              <a:t>19/01/2021</a:t>
+              <a:t>21/01/2021</a:t>
             </a:fld>
             <a:endParaRPr lang="fr-FR"/>
           </a:p>
@@ -5096,6 +6752,125 @@
           </a:p>
         </p:txBody>
       </p:sp>
+      <p:sp>
+        <p:nvSpPr>
+          <p:cNvPr id="5" name="TextBox 4">
+            <a:extLst>
+              <a:ext uri="{FF2B5EF4-FFF2-40B4-BE49-F238E27FC236}">
+                <a16:creationId xmlns:a16="http://schemas.microsoft.com/office/drawing/2014/main" id="{2E1881A3-8A5F-46F9-8DDB-BD298CCCF522}"/>
+              </a:ext>
+            </a:extLst>
+          </p:cNvPr>
+          <p:cNvSpPr txBox="1"/>
+          <p:nvPr/>
+        </p:nvSpPr>
+        <p:spPr>
+          <a:xfrm>
+            <a:off x="416454" y="1818861"/>
+            <a:ext cx="7532831" cy="646331"/>
+          </a:xfrm>
+          <a:prstGeom prst="rect">
+            <a:avLst/>
+          </a:prstGeom>
+          <a:noFill/>
+        </p:spPr>
+        <p:txBody>
+          <a:bodyPr wrap="none" rtlCol="0">
+            <a:spAutoFit/>
+          </a:bodyPr>
+          <a:lstStyle/>
+          <a:p>
+            <a:pPr marL="285750" indent="-285750">
+              <a:buFont typeface="Arial" panose="020B0604020202020204" pitchFamily="34" charset="0"/>
+              <a:buChar char="•"/>
+            </a:pPr>
+            <a:r>
+              <a:rPr lang="fr-FR" dirty="0"/>
+              <a:t>175 auteurs avec un </a:t>
+            </a:r>
+            <a:r>
+              <a:rPr lang="fr-FR" dirty="0" err="1"/>
+              <a:t>wiki_id</a:t>
+            </a:r>
+            <a:r>
+              <a:rPr lang="fr-FR" dirty="0"/>
+              <a:t>, dont 160 avec au moins une page </a:t>
+            </a:r>
+            <a:r>
+              <a:rPr lang="fr-FR" dirty="0" err="1"/>
+              <a:t>wikipédia</a:t>
+            </a:r>
+            <a:endParaRPr lang="fr-FR" dirty="0"/>
+          </a:p>
+          <a:p>
+            <a:pPr marL="285750" indent="-285750">
+              <a:buFont typeface="Arial" panose="020B0604020202020204" pitchFamily="34" charset="0"/>
+              <a:buChar char="•"/>
+            </a:pPr>
+            <a:endParaRPr lang="fr-FR" dirty="0"/>
+          </a:p>
+        </p:txBody>
+      </p:sp>
+      <p:graphicFrame>
+        <p:nvGraphicFramePr>
+          <p:cNvPr id="15" name="Chart 14">
+            <a:extLst>
+              <a:ext uri="{FF2B5EF4-FFF2-40B4-BE49-F238E27FC236}">
+                <a16:creationId xmlns:a16="http://schemas.microsoft.com/office/drawing/2014/main" id="{1FA0B1C1-8CD9-43FD-999F-F538C1791CF8}"/>
+              </a:ext>
+            </a:extLst>
+          </p:cNvPr>
+          <p:cNvGraphicFramePr>
+            <a:graphicFrameLocks/>
+          </p:cNvGraphicFramePr>
+          <p:nvPr>
+            <p:extLst>
+              <p:ext uri="{D42A27DB-BD31-4B8C-83A1-F6EECF244321}">
+                <p14:modId xmlns:p14="http://schemas.microsoft.com/office/powerpoint/2010/main" val="3621031813"/>
+              </p:ext>
+            </p:extLst>
+          </p:nvPr>
+        </p:nvGraphicFramePr>
+        <p:xfrm>
+          <a:off x="760677" y="2556092"/>
+          <a:ext cx="4572000" cy="2743200"/>
+        </p:xfrm>
+        <a:graphic>
+          <a:graphicData uri="http://schemas.openxmlformats.org/drawingml/2006/chart">
+            <c:chart xmlns:c="http://schemas.openxmlformats.org/drawingml/2006/chart" xmlns:r="http://schemas.openxmlformats.org/officeDocument/2006/relationships" r:id="rId3"/>
+          </a:graphicData>
+        </a:graphic>
+      </p:graphicFrame>
+      <p:graphicFrame>
+        <p:nvGraphicFramePr>
+          <p:cNvPr id="16" name="Chart 15">
+            <a:extLst>
+              <a:ext uri="{FF2B5EF4-FFF2-40B4-BE49-F238E27FC236}">
+                <a16:creationId xmlns:a16="http://schemas.microsoft.com/office/drawing/2014/main" id="{7B786331-048A-40C6-8154-2E6B2C9A5340}"/>
+              </a:ext>
+            </a:extLst>
+          </p:cNvPr>
+          <p:cNvGraphicFramePr>
+            <a:graphicFrameLocks/>
+          </p:cNvGraphicFramePr>
+          <p:nvPr>
+            <p:extLst>
+              <p:ext uri="{D42A27DB-BD31-4B8C-83A1-F6EECF244321}">
+                <p14:modId xmlns:p14="http://schemas.microsoft.com/office/powerpoint/2010/main" val="865571151"/>
+              </p:ext>
+            </p:extLst>
+          </p:nvPr>
+        </p:nvGraphicFramePr>
+        <p:xfrm>
+          <a:off x="6096000" y="2556092"/>
+          <a:ext cx="4572000" cy="2743200"/>
+        </p:xfrm>
+        <a:graphic>
+          <a:graphicData uri="http://schemas.openxmlformats.org/drawingml/2006/chart">
+            <c:chart xmlns:c="http://schemas.openxmlformats.org/drawingml/2006/chart" xmlns:r="http://schemas.openxmlformats.org/officeDocument/2006/relationships" r:id="rId4"/>
+          </a:graphicData>
+        </a:graphic>
+      </p:graphicFrame>
     </p:spTree>
     <p:extLst>
       <p:ext uri="{BB962C8B-B14F-4D97-AF65-F5344CB8AC3E}">
@@ -5530,428 +7305,6 @@
           </a:p>
         </p:txBody>
       </p:sp>
-      <p:graphicFrame>
-        <p:nvGraphicFramePr>
-          <p:cNvPr id="8" name="Table 7">
-            <a:extLst>
-              <a:ext uri="{FF2B5EF4-FFF2-40B4-BE49-F238E27FC236}">
-                <a16:creationId xmlns:a16="http://schemas.microsoft.com/office/drawing/2014/main" id="{E716B461-4B96-472C-A5F1-2B0C67755BD5}"/>
-              </a:ext>
-            </a:extLst>
-          </p:cNvPr>
-          <p:cNvGraphicFramePr>
-            <a:graphicFrameLocks noGrp="1"/>
-          </p:cNvGraphicFramePr>
-          <p:nvPr>
-            <p:extLst>
-              <p:ext uri="{D42A27DB-BD31-4B8C-83A1-F6EECF244321}">
-                <p14:modId xmlns:p14="http://schemas.microsoft.com/office/powerpoint/2010/main" val="42629612"/>
-              </p:ext>
-            </p:extLst>
-          </p:nvPr>
-        </p:nvGraphicFramePr>
-        <p:xfrm>
-          <a:off x="698090" y="4581567"/>
-          <a:ext cx="2107096" cy="1173480"/>
-        </p:xfrm>
-        <a:graphic>
-          <a:graphicData uri="http://schemas.openxmlformats.org/drawingml/2006/table">
-            <a:tbl>
-              <a:tblPr>
-                <a:tableStyleId>{5C22544A-7EE6-4342-B048-85BDC9FD1C3A}</a:tableStyleId>
-              </a:tblPr>
-              <a:tblGrid>
-                <a:gridCol w="1053548">
-                  <a:extLst>
-                    <a:ext uri="{9D8B030D-6E8A-4147-A177-3AD203B41FA5}">
-                      <a16:colId xmlns:a16="http://schemas.microsoft.com/office/drawing/2014/main" val="1215285342"/>
-                    </a:ext>
-                  </a:extLst>
-                </a:gridCol>
-                <a:gridCol w="1053548">
-                  <a:extLst>
-                    <a:ext uri="{9D8B030D-6E8A-4147-A177-3AD203B41FA5}">
-                      <a16:colId xmlns:a16="http://schemas.microsoft.com/office/drawing/2014/main" val="3407345162"/>
-                    </a:ext>
-                  </a:extLst>
-                </a:gridCol>
-              </a:tblGrid>
-              <a:tr h="167640">
-                <a:tc>
-                  <a:txBody>
-                    <a:bodyPr/>
-                    <a:lstStyle/>
-                    <a:p>
-                      <a:pPr algn="l" fontAlgn="b"/>
-                      <a:r>
-                        <a:rPr lang="fr-FR" sz="1000" u="none" strike="noStrike">
-                          <a:effectLst/>
-                        </a:rPr>
-                        <a:t>writer</a:t>
-                      </a:r>
-                      <a:endParaRPr lang="fr-FR" sz="1000" b="0" i="0" u="none" strike="noStrike">
-                        <a:effectLst/>
-                        <a:latin typeface="Arial" panose="020B0604020202020204" pitchFamily="34" charset="0"/>
-                      </a:endParaRPr>
-                    </a:p>
-                  </a:txBody>
-                  <a:tcPr marL="7620" marR="7620" marT="7620" marB="0" anchor="b"/>
-                </a:tc>
-                <a:tc>
-                  <a:txBody>
-                    <a:bodyPr/>
-                    <a:lstStyle/>
-                    <a:p>
-                      <a:pPr algn="l" fontAlgn="b"/>
-                      <a:r>
-                        <a:rPr lang="fr-FR" sz="1000" u="none" strike="noStrike" dirty="0">
-                          <a:effectLst/>
-                        </a:rPr>
-                        <a:t>Q36180</a:t>
-                      </a:r>
-                      <a:endParaRPr lang="fr-FR" sz="1000" b="0" i="0" u="none" strike="noStrike" dirty="0">
-                        <a:effectLst/>
-                        <a:latin typeface="Arial" panose="020B0604020202020204" pitchFamily="34" charset="0"/>
-                      </a:endParaRPr>
-                    </a:p>
-                  </a:txBody>
-                  <a:tcPr marL="7620" marR="7620" marT="7620" marB="0" anchor="b"/>
-                </a:tc>
-                <a:extLst>
-                  <a:ext uri="{0D108BD9-81ED-4DB2-BD59-A6C34878D82A}">
-                    <a16:rowId xmlns:a16="http://schemas.microsoft.com/office/drawing/2014/main" val="2095019870"/>
-                  </a:ext>
-                </a:extLst>
-              </a:tr>
-              <a:tr h="167640">
-                <a:tc>
-                  <a:txBody>
-                    <a:bodyPr/>
-                    <a:lstStyle/>
-                    <a:p>
-                      <a:pPr algn="l" fontAlgn="b"/>
-                      <a:r>
-                        <a:rPr lang="fr-FR" sz="1000" u="none" strike="noStrike">
-                          <a:effectLst/>
-                        </a:rPr>
-                        <a:t>poet</a:t>
-                      </a:r>
-                      <a:endParaRPr lang="fr-FR" sz="1000" b="0" i="0" u="none" strike="noStrike">
-                        <a:effectLst/>
-                        <a:latin typeface="Arial" panose="020B0604020202020204" pitchFamily="34" charset="0"/>
-                      </a:endParaRPr>
-                    </a:p>
-                  </a:txBody>
-                  <a:tcPr marL="7620" marR="7620" marT="7620" marB="0" anchor="b"/>
-                </a:tc>
-                <a:tc>
-                  <a:txBody>
-                    <a:bodyPr/>
-                    <a:lstStyle/>
-                    <a:p>
-                      <a:pPr algn="l" fontAlgn="b"/>
-                      <a:r>
-                        <a:rPr lang="fr-FR" sz="1000" u="none" strike="noStrike" dirty="0">
-                          <a:effectLst/>
-                        </a:rPr>
-                        <a:t>Q49757</a:t>
-                      </a:r>
-                      <a:endParaRPr lang="fr-FR" sz="1000" b="0" i="0" u="none" strike="noStrike" dirty="0">
-                        <a:effectLst/>
-                        <a:latin typeface="Arial" panose="020B0604020202020204" pitchFamily="34" charset="0"/>
-                      </a:endParaRPr>
-                    </a:p>
-                  </a:txBody>
-                  <a:tcPr marL="7620" marR="7620" marT="7620" marB="0" anchor="b"/>
-                </a:tc>
-                <a:extLst>
-                  <a:ext uri="{0D108BD9-81ED-4DB2-BD59-A6C34878D82A}">
-                    <a16:rowId xmlns:a16="http://schemas.microsoft.com/office/drawing/2014/main" val="3246075066"/>
-                  </a:ext>
-                </a:extLst>
-              </a:tr>
-              <a:tr h="167640">
-                <a:tc>
-                  <a:txBody>
-                    <a:bodyPr/>
-                    <a:lstStyle/>
-                    <a:p>
-                      <a:pPr algn="l" fontAlgn="b"/>
-                      <a:r>
-                        <a:rPr lang="fr-FR" sz="1000" u="none" strike="noStrike">
-                          <a:effectLst/>
-                        </a:rPr>
-                        <a:t>novelist</a:t>
-                      </a:r>
-                      <a:endParaRPr lang="fr-FR" sz="1000" b="0" i="0" u="none" strike="noStrike">
-                        <a:effectLst/>
-                        <a:latin typeface="Arial" panose="020B0604020202020204" pitchFamily="34" charset="0"/>
-                      </a:endParaRPr>
-                    </a:p>
-                  </a:txBody>
-                  <a:tcPr marL="7620" marR="7620" marT="7620" marB="0" anchor="b"/>
-                </a:tc>
-                <a:tc>
-                  <a:txBody>
-                    <a:bodyPr/>
-                    <a:lstStyle/>
-                    <a:p>
-                      <a:pPr algn="l" fontAlgn="b"/>
-                      <a:r>
-                        <a:rPr lang="fr-FR" sz="1000" u="none" strike="noStrike" dirty="0">
-                          <a:effectLst/>
-                        </a:rPr>
-                        <a:t>Q6625963</a:t>
-                      </a:r>
-                      <a:endParaRPr lang="fr-FR" sz="1000" b="0" i="0" u="none" strike="noStrike" dirty="0">
-                        <a:effectLst/>
-                        <a:latin typeface="Arial" panose="020B0604020202020204" pitchFamily="34" charset="0"/>
-                      </a:endParaRPr>
-                    </a:p>
-                  </a:txBody>
-                  <a:tcPr marL="7620" marR="7620" marT="7620" marB="0" anchor="b"/>
-                </a:tc>
-                <a:extLst>
-                  <a:ext uri="{0D108BD9-81ED-4DB2-BD59-A6C34878D82A}">
-                    <a16:rowId xmlns:a16="http://schemas.microsoft.com/office/drawing/2014/main" val="2209319253"/>
-                  </a:ext>
-                </a:extLst>
-              </a:tr>
-              <a:tr h="167640">
-                <a:tc>
-                  <a:txBody>
-                    <a:bodyPr/>
-                    <a:lstStyle/>
-                    <a:p>
-                      <a:pPr algn="l" fontAlgn="b"/>
-                      <a:r>
-                        <a:rPr lang="fr-FR" sz="1000" u="none" strike="noStrike">
-                          <a:effectLst/>
-                        </a:rPr>
-                        <a:t>essayist</a:t>
-                      </a:r>
-                      <a:endParaRPr lang="fr-FR" sz="1000" b="0" i="0" u="none" strike="noStrike">
-                        <a:effectLst/>
-                        <a:latin typeface="Arial" panose="020B0604020202020204" pitchFamily="34" charset="0"/>
-                      </a:endParaRPr>
-                    </a:p>
-                  </a:txBody>
-                  <a:tcPr marL="7620" marR="7620" marT="7620" marB="0" anchor="b"/>
-                </a:tc>
-                <a:tc>
-                  <a:txBody>
-                    <a:bodyPr/>
-                    <a:lstStyle/>
-                    <a:p>
-                      <a:pPr algn="l" fontAlgn="b"/>
-                      <a:r>
-                        <a:rPr lang="fr-FR" sz="1000" u="none" strike="noStrike" dirty="0">
-                          <a:effectLst/>
-                        </a:rPr>
-                        <a:t>Q11774202</a:t>
-                      </a:r>
-                      <a:endParaRPr lang="fr-FR" sz="1000" b="0" i="0" u="none" strike="noStrike" dirty="0">
-                        <a:effectLst/>
-                        <a:latin typeface="Arial" panose="020B0604020202020204" pitchFamily="34" charset="0"/>
-                      </a:endParaRPr>
-                    </a:p>
-                  </a:txBody>
-                  <a:tcPr marL="7620" marR="7620" marT="7620" marB="0" anchor="b"/>
-                </a:tc>
-                <a:extLst>
-                  <a:ext uri="{0D108BD9-81ED-4DB2-BD59-A6C34878D82A}">
-                    <a16:rowId xmlns:a16="http://schemas.microsoft.com/office/drawing/2014/main" val="3284407881"/>
-                  </a:ext>
-                </a:extLst>
-              </a:tr>
-              <a:tr h="167640">
-                <a:tc>
-                  <a:txBody>
-                    <a:bodyPr/>
-                    <a:lstStyle/>
-                    <a:p>
-                      <a:pPr algn="l" fontAlgn="b"/>
-                      <a:r>
-                        <a:rPr lang="fr-FR" sz="1000" u="none" strike="noStrike">
-                          <a:effectLst/>
-                        </a:rPr>
-                        <a:t>short story writer</a:t>
-                      </a:r>
-                      <a:endParaRPr lang="fr-FR" sz="1000" b="0" i="0" u="none" strike="noStrike">
-                        <a:effectLst/>
-                        <a:latin typeface="Arial" panose="020B0604020202020204" pitchFamily="34" charset="0"/>
-                      </a:endParaRPr>
-                    </a:p>
-                  </a:txBody>
-                  <a:tcPr marL="7620" marR="7620" marT="7620" marB="0" anchor="b"/>
-                </a:tc>
-                <a:tc>
-                  <a:txBody>
-                    <a:bodyPr/>
-                    <a:lstStyle/>
-                    <a:p>
-                      <a:pPr algn="l" fontAlgn="b"/>
-                      <a:r>
-                        <a:rPr lang="fr-FR" sz="1000" u="none" strike="noStrike" dirty="0">
-                          <a:effectLst/>
-                        </a:rPr>
-                        <a:t>Q15949613</a:t>
-                      </a:r>
-                      <a:endParaRPr lang="fr-FR" sz="1000" b="0" i="0" u="none" strike="noStrike" dirty="0">
-                        <a:effectLst/>
-                        <a:latin typeface="Arial" panose="020B0604020202020204" pitchFamily="34" charset="0"/>
-                      </a:endParaRPr>
-                    </a:p>
-                  </a:txBody>
-                  <a:tcPr marL="7620" marR="7620" marT="7620" marB="0" anchor="b"/>
-                </a:tc>
-                <a:extLst>
-                  <a:ext uri="{0D108BD9-81ED-4DB2-BD59-A6C34878D82A}">
-                    <a16:rowId xmlns:a16="http://schemas.microsoft.com/office/drawing/2014/main" val="1531872900"/>
-                  </a:ext>
-                </a:extLst>
-              </a:tr>
-              <a:tr h="167640">
-                <a:tc>
-                  <a:txBody>
-                    <a:bodyPr/>
-                    <a:lstStyle/>
-                    <a:p>
-                      <a:pPr algn="l" fontAlgn="b"/>
-                      <a:r>
-                        <a:rPr lang="fr-FR" sz="1000" u="none" strike="noStrike">
-                          <a:effectLst/>
-                        </a:rPr>
-                        <a:t>author</a:t>
-                      </a:r>
-                      <a:endParaRPr lang="fr-FR" sz="1000" b="0" i="0" u="none" strike="noStrike">
-                        <a:effectLst/>
-                        <a:latin typeface="Arial" panose="020B0604020202020204" pitchFamily="34" charset="0"/>
-                      </a:endParaRPr>
-                    </a:p>
-                  </a:txBody>
-                  <a:tcPr marL="7620" marR="7620" marT="7620" marB="0" anchor="b"/>
-                </a:tc>
-                <a:tc>
-                  <a:txBody>
-                    <a:bodyPr/>
-                    <a:lstStyle/>
-                    <a:p>
-                      <a:pPr algn="l" fontAlgn="b"/>
-                      <a:r>
-                        <a:rPr lang="fr-FR" sz="1000" u="none" strike="noStrike" dirty="0">
-                          <a:effectLst/>
-                        </a:rPr>
-                        <a:t>Q482980</a:t>
-                      </a:r>
-                      <a:endParaRPr lang="fr-FR" sz="1000" b="0" i="0" u="none" strike="noStrike" dirty="0">
-                        <a:effectLst/>
-                        <a:latin typeface="Arial" panose="020B0604020202020204" pitchFamily="34" charset="0"/>
-                      </a:endParaRPr>
-                    </a:p>
-                  </a:txBody>
-                  <a:tcPr marL="7620" marR="7620" marT="7620" marB="0" anchor="b"/>
-                </a:tc>
-                <a:extLst>
-                  <a:ext uri="{0D108BD9-81ED-4DB2-BD59-A6C34878D82A}">
-                    <a16:rowId xmlns:a16="http://schemas.microsoft.com/office/drawing/2014/main" val="2911352060"/>
-                  </a:ext>
-                </a:extLst>
-              </a:tr>
-              <a:tr h="167640">
-                <a:tc>
-                  <a:txBody>
-                    <a:bodyPr/>
-                    <a:lstStyle/>
-                    <a:p>
-                      <a:pPr algn="l" fontAlgn="b"/>
-                      <a:r>
-                        <a:rPr lang="fr-FR" sz="1000" u="none" strike="noStrike">
-                          <a:effectLst/>
-                        </a:rPr>
-                        <a:t>non-fiction writer</a:t>
-                      </a:r>
-                      <a:endParaRPr lang="fr-FR" sz="1000" b="0" i="0" u="none" strike="noStrike">
-                        <a:effectLst/>
-                        <a:latin typeface="Arial" panose="020B0604020202020204" pitchFamily="34" charset="0"/>
-                      </a:endParaRPr>
-                    </a:p>
-                  </a:txBody>
-                  <a:tcPr marL="7620" marR="7620" marT="7620" marB="0" anchor="b"/>
-                </a:tc>
-                <a:tc>
-                  <a:txBody>
-                    <a:bodyPr/>
-                    <a:lstStyle/>
-                    <a:p>
-                      <a:pPr algn="l" fontAlgn="b"/>
-                      <a:r>
-                        <a:rPr lang="fr-FR" sz="1000" u="none" strike="noStrike" dirty="0">
-                          <a:effectLst/>
-                        </a:rPr>
-                        <a:t>Q15980158</a:t>
-                      </a:r>
-                      <a:endParaRPr lang="fr-FR" sz="1000" b="0" i="0" u="none" strike="noStrike" dirty="0">
-                        <a:effectLst/>
-                        <a:latin typeface="Arial" panose="020B0604020202020204" pitchFamily="34" charset="0"/>
-                      </a:endParaRPr>
-                    </a:p>
-                  </a:txBody>
-                  <a:tcPr marL="7620" marR="7620" marT="7620" marB="0" anchor="b"/>
-                </a:tc>
-                <a:extLst>
-                  <a:ext uri="{0D108BD9-81ED-4DB2-BD59-A6C34878D82A}">
-                    <a16:rowId xmlns:a16="http://schemas.microsoft.com/office/drawing/2014/main" val="24503512"/>
-                  </a:ext>
-                </a:extLst>
-              </a:tr>
-            </a:tbl>
-          </a:graphicData>
-        </a:graphic>
-      </p:graphicFrame>
-      <p:sp>
-        <p:nvSpPr>
-          <p:cNvPr id="11" name="TextBox 10">
-            <a:extLst>
-              <a:ext uri="{FF2B5EF4-FFF2-40B4-BE49-F238E27FC236}">
-                <a16:creationId xmlns:a16="http://schemas.microsoft.com/office/drawing/2014/main" id="{03051B5C-6983-4FEF-B0CE-4B4C9FBB0AB3}"/>
-              </a:ext>
-            </a:extLst>
-          </p:cNvPr>
-          <p:cNvSpPr txBox="1"/>
-          <p:nvPr/>
-        </p:nvSpPr>
-        <p:spPr>
-          <a:xfrm>
-            <a:off x="3189482" y="5043868"/>
-            <a:ext cx="1805366" cy="369332"/>
-          </a:xfrm>
-          <a:prstGeom prst="rect">
-            <a:avLst/>
-          </a:prstGeom>
-          <a:noFill/>
-        </p:spPr>
-        <p:txBody>
-          <a:bodyPr wrap="none" rtlCol="0">
-            <a:spAutoFit/>
-          </a:bodyPr>
-          <a:lstStyle/>
-          <a:p>
-            <a:r>
-              <a:rPr lang="fr-FR" dirty="0"/>
-              <a:t>Date </a:t>
-            </a:r>
-            <a:r>
-              <a:rPr lang="fr-FR" dirty="0" err="1"/>
-              <a:t>birth</a:t>
-            </a:r>
-            <a:r>
-              <a:rPr lang="fr-FR" dirty="0"/>
-              <a:t>&gt;1921</a:t>
-            </a:r>
-          </a:p>
-        </p:txBody>
-      </p:sp>
       <p:sp>
         <p:nvSpPr>
           <p:cNvPr id="12" name="Rectangle 11">
@@ -5983,45 +7336,6 @@
               <a:rPr lang="fr-FR" dirty="0"/>
               <a:t>https://query.wikidata.org/</a:t>
             </a:r>
-          </a:p>
-        </p:txBody>
-      </p:sp>
-      <p:sp>
-        <p:nvSpPr>
-          <p:cNvPr id="16" name="Rectangle 15">
-            <a:extLst>
-              <a:ext uri="{FF2B5EF4-FFF2-40B4-BE49-F238E27FC236}">
-                <a16:creationId xmlns:a16="http://schemas.microsoft.com/office/drawing/2014/main" id="{A890C207-405C-4E89-868C-EC715BE6BD23}"/>
-              </a:ext>
-            </a:extLst>
-          </p:cNvPr>
-          <p:cNvSpPr/>
-          <p:nvPr/>
-        </p:nvSpPr>
-        <p:spPr>
-          <a:xfrm>
-            <a:off x="503397" y="5793506"/>
-            <a:ext cx="2054858" cy="369332"/>
-          </a:xfrm>
-          <a:prstGeom prst="rect">
-            <a:avLst/>
-          </a:prstGeom>
-        </p:spPr>
-        <p:txBody>
-          <a:bodyPr wrap="none">
-            <a:spAutoFit/>
-          </a:bodyPr>
-          <a:lstStyle/>
-          <a:p>
-            <a:r>
-              <a:rPr lang="fr-FR" dirty="0"/>
-              <a:t>+Q36180 : </a:t>
-            </a:r>
-            <a:r>
-              <a:rPr lang="fr-FR" dirty="0" err="1"/>
-              <a:t>ecrivain</a:t>
-            </a:r>
-            <a:endParaRPr lang="fr-FR" dirty="0"/>
           </a:p>
         </p:txBody>
       </p:sp>
@@ -6069,8 +7383,8 @@
         </p:nvSpPr>
         <p:spPr>
           <a:xfrm>
-            <a:off x="6619461" y="5093862"/>
-            <a:ext cx="2922104" cy="523220"/>
+            <a:off x="311700" y="4521242"/>
+            <a:ext cx="8264257" cy="954107"/>
           </a:xfrm>
           <a:prstGeom prst="rect">
             <a:avLst/>
@@ -6091,7 +7405,288 @@
               <a:rPr lang="fr-FR" sz="2800" dirty="0" err="1"/>
               <a:t>Resultats</a:t>
             </a:r>
-            <a:endParaRPr lang="fr-FR" sz="2800" dirty="0"/>
+            <a:r>
+              <a:rPr lang="fr-FR" sz="2800" dirty="0"/>
+              <a:t> -&gt; 47 auteurs communs</a:t>
+            </a:r>
+          </a:p>
+          <a:p>
+            <a:r>
+              <a:rPr lang="fr-FR" sz="2800" dirty="0"/>
+              <a:t>Soit 99 nouveaux auteurs</a:t>
+            </a:r>
+          </a:p>
+        </p:txBody>
+      </p:sp>
+      <p:sp>
+        <p:nvSpPr>
+          <p:cNvPr id="5" name="Rectangle 4">
+            <a:extLst>
+              <a:ext uri="{FF2B5EF4-FFF2-40B4-BE49-F238E27FC236}">
+                <a16:creationId xmlns:a16="http://schemas.microsoft.com/office/drawing/2014/main" id="{F5FB4414-250E-4520-8E4A-8B640F9FC0A2}"/>
+              </a:ext>
+            </a:extLst>
+          </p:cNvPr>
+          <p:cNvSpPr/>
+          <p:nvPr/>
+        </p:nvSpPr>
+        <p:spPr>
+          <a:xfrm>
+            <a:off x="1041103" y="2117035"/>
+            <a:ext cx="9898341" cy="172820"/>
+          </a:xfrm>
+          <a:prstGeom prst="rect">
+            <a:avLst/>
+          </a:prstGeom>
+          <a:noFill/>
+        </p:spPr>
+        <p:style>
+          <a:lnRef idx="2">
+            <a:schemeClr val="accent1">
+              <a:shade val="50000"/>
+            </a:schemeClr>
+          </a:lnRef>
+          <a:fillRef idx="1">
+            <a:schemeClr val="accent1"/>
+          </a:fillRef>
+          <a:effectRef idx="0">
+            <a:schemeClr val="accent1"/>
+          </a:effectRef>
+          <a:fontRef idx="minor">
+            <a:schemeClr val="lt1"/>
+          </a:fontRef>
+        </p:style>
+        <p:txBody>
+          <a:bodyPr rtlCol="0" anchor="ctr"/>
+          <a:lstStyle/>
+          <a:p>
+            <a:pPr algn="ctr"/>
+            <a:endParaRPr lang="fr-FR"/>
+          </a:p>
+        </p:txBody>
+      </p:sp>
+      <p:sp>
+        <p:nvSpPr>
+          <p:cNvPr id="17" name="Rectangle 16">
+            <a:extLst>
+              <a:ext uri="{FF2B5EF4-FFF2-40B4-BE49-F238E27FC236}">
+                <a16:creationId xmlns:a16="http://schemas.microsoft.com/office/drawing/2014/main" id="{99D932EC-180A-4395-8245-DAB1CAF3AB46}"/>
+              </a:ext>
+            </a:extLst>
+          </p:cNvPr>
+          <p:cNvSpPr/>
+          <p:nvPr/>
+        </p:nvSpPr>
+        <p:spPr>
+          <a:xfrm>
+            <a:off x="1035508" y="2538110"/>
+            <a:ext cx="3635884" cy="172820"/>
+          </a:xfrm>
+          <a:prstGeom prst="rect">
+            <a:avLst/>
+          </a:prstGeom>
+          <a:noFill/>
+        </p:spPr>
+        <p:style>
+          <a:lnRef idx="2">
+            <a:schemeClr val="accent1">
+              <a:shade val="50000"/>
+            </a:schemeClr>
+          </a:lnRef>
+          <a:fillRef idx="1">
+            <a:schemeClr val="accent1"/>
+          </a:fillRef>
+          <a:effectRef idx="0">
+            <a:schemeClr val="accent1"/>
+          </a:effectRef>
+          <a:fontRef idx="minor">
+            <a:schemeClr val="lt1"/>
+          </a:fontRef>
+        </p:style>
+        <p:txBody>
+          <a:bodyPr rtlCol="0" anchor="ctr"/>
+          <a:lstStyle/>
+          <a:p>
+            <a:pPr algn="ctr"/>
+            <a:endParaRPr lang="fr-FR"/>
+          </a:p>
+        </p:txBody>
+      </p:sp>
+      <p:sp>
+        <p:nvSpPr>
+          <p:cNvPr id="7" name="TextBox 6">
+            <a:extLst>
+              <a:ext uri="{FF2B5EF4-FFF2-40B4-BE49-F238E27FC236}">
+                <a16:creationId xmlns:a16="http://schemas.microsoft.com/office/drawing/2014/main" id="{1D850DEB-E750-4764-BC53-98B5E3F5586C}"/>
+              </a:ext>
+            </a:extLst>
+          </p:cNvPr>
+          <p:cNvSpPr txBox="1"/>
+          <p:nvPr/>
+        </p:nvSpPr>
+        <p:spPr>
+          <a:xfrm>
+            <a:off x="7682948" y="1871794"/>
+            <a:ext cx="3256496" cy="246221"/>
+          </a:xfrm>
+          <a:prstGeom prst="rect">
+            <a:avLst/>
+          </a:prstGeom>
+          <a:solidFill>
+            <a:schemeClr val="bg1"/>
+          </a:solidFill>
+          <a:ln>
+            <a:solidFill>
+              <a:schemeClr val="accent1"/>
+            </a:solidFill>
+          </a:ln>
+        </p:spPr>
+        <p:txBody>
+          <a:bodyPr wrap="square" rtlCol="0">
+            <a:spAutoFit/>
+          </a:bodyPr>
+          <a:lstStyle/>
+          <a:p>
+            <a:r>
+              <a:rPr lang="fr-FR" sz="1000" dirty="0"/>
+              <a:t>Occupation : écrivain, poète, essayiste…</a:t>
+            </a:r>
+          </a:p>
+        </p:txBody>
+      </p:sp>
+      <p:sp>
+        <p:nvSpPr>
+          <p:cNvPr id="21" name="Rectangle 20">
+            <a:extLst>
+              <a:ext uri="{FF2B5EF4-FFF2-40B4-BE49-F238E27FC236}">
+                <a16:creationId xmlns:a16="http://schemas.microsoft.com/office/drawing/2014/main" id="{323D5D8A-612C-4C85-B82E-C00EC5EA2A01}"/>
+              </a:ext>
+            </a:extLst>
+          </p:cNvPr>
+          <p:cNvSpPr/>
+          <p:nvPr/>
+        </p:nvSpPr>
+        <p:spPr>
+          <a:xfrm>
+            <a:off x="1046570" y="2289090"/>
+            <a:ext cx="9898341" cy="172820"/>
+          </a:xfrm>
+          <a:prstGeom prst="rect">
+            <a:avLst/>
+          </a:prstGeom>
+          <a:noFill/>
+        </p:spPr>
+        <p:style>
+          <a:lnRef idx="2">
+            <a:schemeClr val="accent1">
+              <a:shade val="50000"/>
+            </a:schemeClr>
+          </a:lnRef>
+          <a:fillRef idx="1">
+            <a:schemeClr val="accent1"/>
+          </a:fillRef>
+          <a:effectRef idx="0">
+            <a:schemeClr val="accent1"/>
+          </a:effectRef>
+          <a:fontRef idx="minor">
+            <a:schemeClr val="lt1"/>
+          </a:fontRef>
+        </p:style>
+        <p:txBody>
+          <a:bodyPr rtlCol="0" anchor="ctr"/>
+          <a:lstStyle/>
+          <a:p>
+            <a:pPr algn="ctr"/>
+            <a:endParaRPr lang="fr-FR"/>
+          </a:p>
+        </p:txBody>
+      </p:sp>
+      <p:sp>
+        <p:nvSpPr>
+          <p:cNvPr id="22" name="TextBox 21">
+            <a:extLst>
+              <a:ext uri="{FF2B5EF4-FFF2-40B4-BE49-F238E27FC236}">
+                <a16:creationId xmlns:a16="http://schemas.microsoft.com/office/drawing/2014/main" id="{4E6B4FBE-459E-457D-895B-AE5731F339B8}"/>
+              </a:ext>
+            </a:extLst>
+          </p:cNvPr>
+          <p:cNvSpPr txBox="1"/>
+          <p:nvPr/>
+        </p:nvSpPr>
+        <p:spPr>
+          <a:xfrm>
+            <a:off x="7682948" y="2460930"/>
+            <a:ext cx="3256496" cy="246221"/>
+          </a:xfrm>
+          <a:prstGeom prst="rect">
+            <a:avLst/>
+          </a:prstGeom>
+          <a:solidFill>
+            <a:schemeClr val="bg1"/>
+          </a:solidFill>
+          <a:ln>
+            <a:solidFill>
+              <a:schemeClr val="accent1"/>
+            </a:solidFill>
+          </a:ln>
+        </p:spPr>
+        <p:txBody>
+          <a:bodyPr wrap="square" rtlCol="0">
+            <a:spAutoFit/>
+          </a:bodyPr>
+          <a:lstStyle/>
+          <a:p>
+            <a:r>
+              <a:rPr lang="fr-FR" sz="1000" dirty="0"/>
+              <a:t>Né à </a:t>
+            </a:r>
+            <a:r>
+              <a:rPr lang="fr-FR" sz="1000" dirty="0" err="1"/>
+              <a:t>Haiti</a:t>
+            </a:r>
+            <a:endParaRPr lang="fr-FR" sz="1000" dirty="0"/>
+          </a:p>
+        </p:txBody>
+      </p:sp>
+      <p:sp>
+        <p:nvSpPr>
+          <p:cNvPr id="23" name="TextBox 22">
+            <a:extLst>
+              <a:ext uri="{FF2B5EF4-FFF2-40B4-BE49-F238E27FC236}">
+                <a16:creationId xmlns:a16="http://schemas.microsoft.com/office/drawing/2014/main" id="{F4CCCD57-5B52-408D-BFD8-E0F52CF4CF35}"/>
+              </a:ext>
+            </a:extLst>
+          </p:cNvPr>
+          <p:cNvSpPr txBox="1"/>
+          <p:nvPr/>
+        </p:nvSpPr>
+        <p:spPr>
+          <a:xfrm>
+            <a:off x="1423025" y="2724344"/>
+            <a:ext cx="3256496" cy="246221"/>
+          </a:xfrm>
+          <a:prstGeom prst="rect">
+            <a:avLst/>
+          </a:prstGeom>
+          <a:solidFill>
+            <a:schemeClr val="bg1"/>
+          </a:solidFill>
+          <a:ln>
+            <a:solidFill>
+              <a:schemeClr val="accent1"/>
+            </a:solidFill>
+          </a:ln>
+        </p:spPr>
+        <p:txBody>
+          <a:bodyPr wrap="square" rtlCol="0">
+            <a:spAutoFit/>
+          </a:bodyPr>
+          <a:lstStyle/>
+          <a:p>
+            <a:r>
+              <a:rPr lang="fr-FR" sz="1000" dirty="0"/>
+              <a:t>Né après 1920</a:t>
+            </a:r>
           </a:p>
         </p:txBody>
       </p:sp>

--- a/livrables/CartoWeb_Openrefine.pptx
+++ b/livrables/CartoWeb_Openrefine.pptx
@@ -1884,7 +1884,7 @@
           <a:p>
             <a:fld id="{EF846D1D-A881-436D-8A5A-3AF963E93FE4}" type="datetime1">
               <a:rPr lang="fr-FR" smtClean="0"/>
-              <a:t>21/01/2021</a:t>
+              <a:t>22/01/2021</a:t>
             </a:fld>
             <a:endParaRPr lang="fr-FR"/>
           </a:p>
@@ -2065,7 +2065,7 @@
           <a:p>
             <a:fld id="{2A80B79A-AD88-4EEA-B55F-401F1BE355D3}" type="datetime1">
               <a:rPr lang="fr-FR" smtClean="0"/>
-              <a:t>21/01/2021</a:t>
+              <a:t>22/01/2021</a:t>
             </a:fld>
             <a:endParaRPr lang="fr-FR"/>
           </a:p>
@@ -2421,7 +2421,7 @@
           <a:p>
             <a:fld id="{BCDA2F7F-3FB0-40AB-92D2-3FE7FBCFF074}" type="datetime1">
               <a:rPr lang="fr-FR" smtClean="0"/>
-              <a:t>21/01/2021</a:t>
+              <a:t>22/01/2021</a:t>
             </a:fld>
             <a:endParaRPr lang="fr-FR"/>
           </a:p>
@@ -6310,7 +6310,7 @@
         </p:blipFill>
         <p:spPr>
           <a:xfrm>
-            <a:off x="527941" y="136526"/>
+            <a:off x="527941" y="86830"/>
             <a:ext cx="7724142" cy="3829188"/>
           </a:xfrm>
           <a:prstGeom prst="rect">
@@ -7569,7 +7569,7 @@
         <p:spPr>
           <a:xfrm>
             <a:off x="1046570" y="2289090"/>
-            <a:ext cx="9898341" cy="172820"/>
+            <a:ext cx="9898341" cy="112495"/>
           </a:xfrm>
           <a:prstGeom prst="rect">
             <a:avLst/>
@@ -7615,7 +7615,7 @@
         </p:nvSpPr>
         <p:spPr>
           <a:xfrm>
-            <a:off x="7682948" y="2460930"/>
+            <a:off x="7682948" y="2421174"/>
             <a:ext cx="3256496" cy="246221"/>
           </a:xfrm>
           <a:prstGeom prst="rect">
